--- a/p4_soussand_yoan/Présentation1.pptx
+++ b/p4_soussand_yoan/Présentation1.pptx
@@ -9,7 +9,8 @@
     <p:sldId id="257" r:id="rId3"/>
     <p:sldId id="258" r:id="rId4"/>
     <p:sldId id="259" r:id="rId5"/>
-    <p:sldId id="260" r:id="rId6"/>
+    <p:sldId id="261" r:id="rId6"/>
+    <p:sldId id="260" r:id="rId7"/>
   </p:sldIdLst>
   <p:sldSz cx="12192000" cy="6858000"/>
   <p:notesSz cx="6858000" cy="9144000"/>
@@ -110,7 +111,18 @@
   </p:defaultTextStyle>
   <p:extLst>
     <p:ext uri="{EFAFB233-063F-42B5-8137-9DF3F51BA10A}">
-      <p15:sldGuideLst xmlns:p15="http://schemas.microsoft.com/office/powerpoint/2012/main"/>
+      <p15:sldGuideLst xmlns:p15="http://schemas.microsoft.com/office/powerpoint/2012/main">
+        <p15:guide id="1" orient="horz" pos="2160" userDrawn="1">
+          <p15:clr>
+            <a:srgbClr val="A4A3A4"/>
+          </p15:clr>
+        </p15:guide>
+        <p15:guide id="2" pos="3840" userDrawn="1">
+          <p15:clr>
+            <a:srgbClr val="A4A3A4"/>
+          </p15:clr>
+        </p15:guide>
+      </p15:sldGuideLst>
     </p:ext>
   </p:extLst>
 </p:presentation>
@@ -119,7 +131,7 @@
 <file path=ppt/revisionInfo.xml><?xml version="1.0" encoding="utf-8"?>
 <p1510:revInfo xmlns:a="http://schemas.openxmlformats.org/drawingml/2006/main" xmlns:r="http://schemas.openxmlformats.org/officeDocument/2006/relationships" xmlns:p1510="http://schemas.microsoft.com/office/powerpoint/2015/10/main">
   <p1510:revLst>
-    <p1510:client id="{48BB3D40-CF1B-BF4C-BC0E-C7576551C5C0}" v="290" dt="2021-09-18T11:29:56.742"/>
+    <p1510:client id="{48BB3D40-CF1B-BF4C-BC0E-C7576551C5C0}" v="580" dt="2021-09-22T19:46:43.018"/>
   </p1510:revLst>
 </p1510:revInfo>
 </file>
@@ -129,7 +141,7 @@
   <pc:docChgLst>
     <pc:chgData name="Soussand, Yoan" userId="6c304db6-38ce-44e5-ba9b-3778b08966c2" providerId="ADAL" clId="{48BB3D40-CF1B-BF4C-BC0E-C7576551C5C0}"/>
     <pc:docChg chg="undo custSel addSld modSld modMainMaster">
-      <pc:chgData name="Soussand, Yoan" userId="6c304db6-38ce-44e5-ba9b-3778b08966c2" providerId="ADAL" clId="{48BB3D40-CF1B-BF4C-BC0E-C7576551C5C0}" dt="2021-09-18T11:29:56.742" v="1431"/>
+      <pc:chgData name="Soussand, Yoan" userId="6c304db6-38ce-44e5-ba9b-3778b08966c2" providerId="ADAL" clId="{48BB3D40-CF1B-BF4C-BC0E-C7576551C5C0}" dt="2021-09-22T19:47:03.406" v="2320" actId="11"/>
       <pc:docMkLst>
         <pc:docMk/>
       </pc:docMkLst>
@@ -708,13 +720,13 @@
         </pc:picChg>
       </pc:sldChg>
       <pc:sldChg chg="addSp delSp modSp new mod setBg modAnim setClrOvrMap delDesignElem">
-        <pc:chgData name="Soussand, Yoan" userId="6c304db6-38ce-44e5-ba9b-3778b08966c2" providerId="ADAL" clId="{48BB3D40-CF1B-BF4C-BC0E-C7576551C5C0}" dt="2021-09-18T07:21:02.395" v="1297"/>
+        <pc:chgData name="Soussand, Yoan" userId="6c304db6-38ce-44e5-ba9b-3778b08966c2" providerId="ADAL" clId="{48BB3D40-CF1B-BF4C-BC0E-C7576551C5C0}" dt="2021-09-22T19:46:06.605" v="2315" actId="11"/>
         <pc:sldMkLst>
           <pc:docMk/>
           <pc:sldMk cId="3639479579" sldId="258"/>
         </pc:sldMkLst>
         <pc:spChg chg="mod ord">
-          <ac:chgData name="Soussand, Yoan" userId="6c304db6-38ce-44e5-ba9b-3778b08966c2" providerId="ADAL" clId="{48BB3D40-CF1B-BF4C-BC0E-C7576551C5C0}" dt="2021-09-17T20:23:47.067" v="1162" actId="14100"/>
+          <ac:chgData name="Soussand, Yoan" userId="6c304db6-38ce-44e5-ba9b-3778b08966c2" providerId="ADAL" clId="{48BB3D40-CF1B-BF4C-BC0E-C7576551C5C0}" dt="2021-09-22T19:46:06.605" v="2315" actId="11"/>
           <ac:spMkLst>
             <pc:docMk/>
             <pc:sldMk cId="3639479579" sldId="258"/>
@@ -1219,7 +1231,7 @@
         </pc:cxnChg>
       </pc:sldChg>
       <pc:sldChg chg="addSp delSp modSp new mod setBg addAnim delAnim modAnim setClrOvrMap delDesignElem">
-        <pc:chgData name="Soussand, Yoan" userId="6c304db6-38ce-44e5-ba9b-3778b08966c2" providerId="ADAL" clId="{48BB3D40-CF1B-BF4C-BC0E-C7576551C5C0}" dt="2021-09-18T11:29:56.742" v="1431"/>
+        <pc:chgData name="Soussand, Yoan" userId="6c304db6-38ce-44e5-ba9b-3778b08966c2" providerId="ADAL" clId="{48BB3D40-CF1B-BF4C-BC0E-C7576551C5C0}" dt="2021-09-22T19:46:43.018" v="2316" actId="11"/>
         <pc:sldMkLst>
           <pc:docMk/>
           <pc:sldMk cId="1865342885" sldId="259"/>
@@ -2449,7 +2461,7 @@
           </ac:spMkLst>
         </pc:spChg>
         <pc:spChg chg="add mod">
-          <ac:chgData name="Soussand, Yoan" userId="6c304db6-38ce-44e5-ba9b-3778b08966c2" providerId="ADAL" clId="{48BB3D40-CF1B-BF4C-BC0E-C7576551C5C0}" dt="2021-09-17T20:31:11.011" v="1226" actId="26606"/>
+          <ac:chgData name="Soussand, Yoan" userId="6c304db6-38ce-44e5-ba9b-3778b08966c2" providerId="ADAL" clId="{48BB3D40-CF1B-BF4C-BC0E-C7576551C5C0}" dt="2021-09-22T19:46:43.018" v="2316" actId="11"/>
           <ac:spMkLst>
             <pc:docMk/>
             <pc:sldMk cId="1865342885" sldId="259"/>
@@ -2592,12 +2604,124 @@
             <ac:spMk id="244" creationId="{F8260ED5-17F7-4158-B241-D51DD4CF1B7E}"/>
           </ac:spMkLst>
         </pc:spChg>
+        <pc:grpChg chg="del mod">
+          <ac:chgData name="Soussand, Yoan" userId="6c304db6-38ce-44e5-ba9b-3778b08966c2" providerId="ADAL" clId="{48BB3D40-CF1B-BF4C-BC0E-C7576551C5C0}" dt="2021-09-21T10:41:28.837" v="1437"/>
+          <ac:grpSpMkLst>
+            <pc:docMk/>
+            <pc:sldMk cId="1865342885" sldId="259"/>
+            <ac:grpSpMk id="7" creationId="{A2EF6E74-0744-164B-B88E-4D5270EDFD94}"/>
+          </ac:grpSpMkLst>
+        </pc:grpChg>
+        <pc:grpChg chg="del mod">
+          <ac:chgData name="Soussand, Yoan" userId="6c304db6-38ce-44e5-ba9b-3778b08966c2" providerId="ADAL" clId="{48BB3D40-CF1B-BF4C-BC0E-C7576551C5C0}" dt="2021-09-21T10:41:31.396" v="1440"/>
+          <ac:grpSpMkLst>
+            <pc:docMk/>
+            <pc:sldMk cId="1865342885" sldId="259"/>
+            <ac:grpSpMk id="9" creationId="{52A5654D-754D-2444-86EF-086EF1384352}"/>
+          </ac:grpSpMkLst>
+        </pc:grpChg>
+        <pc:grpChg chg="add del mod">
+          <ac:chgData name="Soussand, Yoan" userId="6c304db6-38ce-44e5-ba9b-3778b08966c2" providerId="ADAL" clId="{48BB3D40-CF1B-BF4C-BC0E-C7576551C5C0}" dt="2021-09-21T10:46:55.770" v="1471"/>
+          <ac:grpSpMkLst>
+            <pc:docMk/>
+            <pc:sldMk cId="1865342885" sldId="259"/>
+            <ac:grpSpMk id="12" creationId="{C5E9BC5C-96F2-A341-AA1D-65967080C381}"/>
+          </ac:grpSpMkLst>
+        </pc:grpChg>
+        <pc:grpChg chg="mod">
+          <ac:chgData name="Soussand, Yoan" userId="6c304db6-38ce-44e5-ba9b-3778b08966c2" providerId="ADAL" clId="{48BB3D40-CF1B-BF4C-BC0E-C7576551C5C0}" dt="2021-09-21T10:42:04.738" v="1446"/>
+          <ac:grpSpMkLst>
+            <pc:docMk/>
+            <pc:sldMk cId="1865342885" sldId="259"/>
+            <ac:grpSpMk id="15" creationId="{05994A5C-BC14-7140-AAF8-862F050DDF73}"/>
+          </ac:grpSpMkLst>
+        </pc:grpChg>
         <pc:grpChg chg="add del">
           <ac:chgData name="Soussand, Yoan" userId="6c304db6-38ce-44e5-ba9b-3778b08966c2" providerId="ADAL" clId="{48BB3D40-CF1B-BF4C-BC0E-C7576551C5C0}" dt="2021-09-17T20:09:13.005" v="1030" actId="26606"/>
           <ac:grpSpMkLst>
             <pc:docMk/>
             <pc:sldMk cId="1865342885" sldId="259"/>
             <ac:grpSpMk id="22" creationId="{53CA3DAA-08BB-476F-9793-941CFAEA5E61}"/>
+          </ac:grpSpMkLst>
+        </pc:grpChg>
+        <pc:grpChg chg="del mod">
+          <ac:chgData name="Soussand, Yoan" userId="6c304db6-38ce-44e5-ba9b-3778b08966c2" providerId="ADAL" clId="{48BB3D40-CF1B-BF4C-BC0E-C7576551C5C0}" dt="2021-09-22T11:45:33.960" v="2040" actId="478"/>
+          <ac:grpSpMkLst>
+            <pc:docMk/>
+            <pc:sldMk cId="1865342885" sldId="259"/>
+            <ac:grpSpMk id="24" creationId="{64CB27E6-6673-9D46-82AF-22ADA4F7288A}"/>
+          </ac:grpSpMkLst>
+        </pc:grpChg>
+        <pc:grpChg chg="del mod">
+          <ac:chgData name="Soussand, Yoan" userId="6c304db6-38ce-44e5-ba9b-3778b08966c2" providerId="ADAL" clId="{48BB3D40-CF1B-BF4C-BC0E-C7576551C5C0}" dt="2021-09-21T10:46:17.786" v="1460"/>
+          <ac:grpSpMkLst>
+            <pc:docMk/>
+            <pc:sldMk cId="1865342885" sldId="259"/>
+            <ac:grpSpMk id="27" creationId="{C6BEF6CE-1DAF-0A4E-B808-BE505471982B}"/>
+          </ac:grpSpMkLst>
+        </pc:grpChg>
+        <pc:grpChg chg="del mod">
+          <ac:chgData name="Soussand, Yoan" userId="6c304db6-38ce-44e5-ba9b-3778b08966c2" providerId="ADAL" clId="{48BB3D40-CF1B-BF4C-BC0E-C7576551C5C0}" dt="2021-09-22T11:45:33.960" v="2040" actId="478"/>
+          <ac:grpSpMkLst>
+            <pc:docMk/>
+            <pc:sldMk cId="1865342885" sldId="259"/>
+            <ac:grpSpMk id="29" creationId="{715D4F24-FDDA-8347-92A7-DCF2F112D494}"/>
+          </ac:grpSpMkLst>
+        </pc:grpChg>
+        <pc:grpChg chg="del mod">
+          <ac:chgData name="Soussand, Yoan" userId="6c304db6-38ce-44e5-ba9b-3778b08966c2" providerId="ADAL" clId="{48BB3D40-CF1B-BF4C-BC0E-C7576551C5C0}" dt="2021-09-21T10:46:26.043" v="1466"/>
+          <ac:grpSpMkLst>
+            <pc:docMk/>
+            <pc:sldMk cId="1865342885" sldId="259"/>
+            <ac:grpSpMk id="33" creationId="{FD1B0BB1-DCF7-7141-B3D7-E27B67B06107}"/>
+          </ac:grpSpMkLst>
+        </pc:grpChg>
+        <pc:grpChg chg="del mod">
+          <ac:chgData name="Soussand, Yoan" userId="6c304db6-38ce-44e5-ba9b-3778b08966c2" providerId="ADAL" clId="{48BB3D40-CF1B-BF4C-BC0E-C7576551C5C0}" dt="2021-09-21T10:46:27.461" v="1468"/>
+          <ac:grpSpMkLst>
+            <pc:docMk/>
+            <pc:sldMk cId="1865342885" sldId="259"/>
+            <ac:grpSpMk id="35" creationId="{7E7E3568-23D8-2449-B938-5C3F86734BDD}"/>
+          </ac:grpSpMkLst>
+        </pc:grpChg>
+        <pc:grpChg chg="del mod">
+          <ac:chgData name="Soussand, Yoan" userId="6c304db6-38ce-44e5-ba9b-3778b08966c2" providerId="ADAL" clId="{48BB3D40-CF1B-BF4C-BC0E-C7576551C5C0}" dt="2021-09-22T11:45:36.400" v="2041" actId="478"/>
+          <ac:grpSpMkLst>
+            <pc:docMk/>
+            <pc:sldMk cId="1865342885" sldId="259"/>
+            <ac:grpSpMk id="37" creationId="{E20582F4-CBC6-504C-8BE9-55FF37FC9A44}"/>
+          </ac:grpSpMkLst>
+        </pc:grpChg>
+        <pc:grpChg chg="del mod">
+          <ac:chgData name="Soussand, Yoan" userId="6c304db6-38ce-44e5-ba9b-3778b08966c2" providerId="ADAL" clId="{48BB3D40-CF1B-BF4C-BC0E-C7576551C5C0}" dt="2021-09-21T10:46:56.709" v="1473"/>
+          <ac:grpSpMkLst>
+            <pc:docMk/>
+            <pc:sldMk cId="1865342885" sldId="259"/>
+            <ac:grpSpMk id="40" creationId="{CF649E6F-87FC-BB44-92BD-99A8A887A7D3}"/>
+          </ac:grpSpMkLst>
+        </pc:grpChg>
+        <pc:grpChg chg="del mod">
+          <ac:chgData name="Soussand, Yoan" userId="6c304db6-38ce-44e5-ba9b-3778b08966c2" providerId="ADAL" clId="{48BB3D40-CF1B-BF4C-BC0E-C7576551C5C0}" dt="2021-09-21T10:46:57.845" v="1475"/>
+          <ac:grpSpMkLst>
+            <pc:docMk/>
+            <pc:sldMk cId="1865342885" sldId="259"/>
+            <ac:grpSpMk id="42" creationId="{431D77BF-CAD4-944E-AA93-2D2BB6919B13}"/>
+          </ac:grpSpMkLst>
+        </pc:grpChg>
+        <pc:grpChg chg="del mod">
+          <ac:chgData name="Soussand, Yoan" userId="6c304db6-38ce-44e5-ba9b-3778b08966c2" providerId="ADAL" clId="{48BB3D40-CF1B-BF4C-BC0E-C7576551C5C0}" dt="2021-09-22T11:45:33.960" v="2040" actId="478"/>
+          <ac:grpSpMkLst>
+            <pc:docMk/>
+            <pc:sldMk cId="1865342885" sldId="259"/>
+            <ac:grpSpMk id="44" creationId="{0DF724B0-134D-8B4F-B8AE-E0A2835FC2FE}"/>
+          </ac:grpSpMkLst>
+        </pc:grpChg>
+        <pc:grpChg chg="del mod">
+          <ac:chgData name="Soussand, Yoan" userId="6c304db6-38ce-44e5-ba9b-3778b08966c2" providerId="ADAL" clId="{48BB3D40-CF1B-BF4C-BC0E-C7576551C5C0}" dt="2021-09-22T11:45:33.960" v="2040" actId="478"/>
+          <ac:grpSpMkLst>
+            <pc:docMk/>
+            <pc:sldMk cId="1865342885" sldId="259"/>
+            <ac:grpSpMk id="48" creationId="{94790823-F9F8-D04D-B0C6-121170C57B8F}"/>
           </ac:grpSpMkLst>
         </pc:grpChg>
         <pc:grpChg chg="add del">
@@ -2648,8 +2772,8 @@
             <ac:picMk id="3" creationId="{6C34668C-170B-D04D-BE15-42963D54B493}"/>
           </ac:picMkLst>
         </pc:picChg>
-        <pc:picChg chg="add mod">
-          <ac:chgData name="Soussand, Yoan" userId="6c304db6-38ce-44e5-ba9b-3778b08966c2" providerId="ADAL" clId="{48BB3D40-CF1B-BF4C-BC0E-C7576551C5C0}" dt="2021-09-18T11:29:27.360" v="1428" actId="1076"/>
+        <pc:picChg chg="add del mod">
+          <ac:chgData name="Soussand, Yoan" userId="6c304db6-38ce-44e5-ba9b-3778b08966c2" providerId="ADAL" clId="{48BB3D40-CF1B-BF4C-BC0E-C7576551C5C0}" dt="2021-09-22T11:45:29.360" v="2039" actId="478"/>
           <ac:picMkLst>
             <pc:docMk/>
             <pc:sldMk cId="1865342885" sldId="259"/>
@@ -2664,6 +2788,14 @@
             <ac:picMk id="5" creationId="{935798B8-4FA2-FB49-A258-E9BE0BE21551}"/>
           </ac:picMkLst>
         </pc:picChg>
+        <pc:picChg chg="add mod">
+          <ac:chgData name="Soussand, Yoan" userId="6c304db6-38ce-44e5-ba9b-3778b08966c2" providerId="ADAL" clId="{48BB3D40-CF1B-BF4C-BC0E-C7576551C5C0}" dt="2021-09-22T11:47:07.753" v="2054" actId="14100"/>
+          <ac:picMkLst>
+            <pc:docMk/>
+            <pc:sldMk cId="1865342885" sldId="259"/>
+            <ac:picMk id="9" creationId="{D9AE466A-5949-FD40-8202-C91C56E50BD7}"/>
+          </ac:picMkLst>
+        </pc:picChg>
         <pc:picChg chg="add del mod">
           <ac:chgData name="Soussand, Yoan" userId="6c304db6-38ce-44e5-ba9b-3778b08966c2" providerId="ADAL" clId="{48BB3D40-CF1B-BF4C-BC0E-C7576551C5C0}" dt="2021-09-17T20:28:52.301" v="1203" actId="478"/>
           <ac:picMkLst>
@@ -2680,6 +2812,254 @@
             <ac:picMk id="170" creationId="{3D6DC4B8-C938-0D41-853E-1EEB73B9B1CF}"/>
           </ac:picMkLst>
         </pc:picChg>
+        <pc:inkChg chg="add del">
+          <ac:chgData name="Soussand, Yoan" userId="6c304db6-38ce-44e5-ba9b-3778b08966c2" providerId="ADAL" clId="{48BB3D40-CF1B-BF4C-BC0E-C7576551C5C0}" dt="2021-09-22T11:45:33.960" v="2040" actId="478"/>
+          <ac:inkMkLst>
+            <pc:docMk/>
+            <pc:sldMk cId="1865342885" sldId="259"/>
+            <ac:inkMk id="2" creationId="{8C0CBEA8-921D-344A-A4C0-760EC15DDAFA}"/>
+          </ac:inkMkLst>
+        </pc:inkChg>
+        <pc:inkChg chg="add del mod">
+          <ac:chgData name="Soussand, Yoan" userId="6c304db6-38ce-44e5-ba9b-3778b08966c2" providerId="ADAL" clId="{48BB3D40-CF1B-BF4C-BC0E-C7576551C5C0}" dt="2021-09-22T11:45:33.960" v="2040" actId="478"/>
+          <ac:inkMkLst>
+            <pc:docMk/>
+            <pc:sldMk cId="1865342885" sldId="259"/>
+            <ac:inkMk id="5" creationId="{452E9098-D4E9-544D-8949-CE73508A25BA}"/>
+          </ac:inkMkLst>
+        </pc:inkChg>
+        <pc:inkChg chg="add del mod">
+          <ac:chgData name="Soussand, Yoan" userId="6c304db6-38ce-44e5-ba9b-3778b08966c2" providerId="ADAL" clId="{48BB3D40-CF1B-BF4C-BC0E-C7576551C5C0}" dt="2021-09-22T11:45:33.960" v="2040" actId="478"/>
+          <ac:inkMkLst>
+            <pc:docMk/>
+            <pc:sldMk cId="1865342885" sldId="259"/>
+            <ac:inkMk id="6" creationId="{D4C51F56-20C2-D343-BD04-A71F2EDDD19B}"/>
+          </ac:inkMkLst>
+        </pc:inkChg>
+        <pc:inkChg chg="add del mod">
+          <ac:chgData name="Soussand, Yoan" userId="6c304db6-38ce-44e5-ba9b-3778b08966c2" providerId="ADAL" clId="{48BB3D40-CF1B-BF4C-BC0E-C7576551C5C0}" dt="2021-09-22T11:45:33.960" v="2040" actId="478"/>
+          <ac:inkMkLst>
+            <pc:docMk/>
+            <pc:sldMk cId="1865342885" sldId="259"/>
+            <ac:inkMk id="8" creationId="{E928ABA7-9C39-6C42-BE2C-D7918C50ED83}"/>
+          </ac:inkMkLst>
+        </pc:inkChg>
+        <pc:inkChg chg="add del mod">
+          <ac:chgData name="Soussand, Yoan" userId="6c304db6-38ce-44e5-ba9b-3778b08966c2" providerId="ADAL" clId="{48BB3D40-CF1B-BF4C-BC0E-C7576551C5C0}" dt="2021-09-22T11:45:33.960" v="2040" actId="478"/>
+          <ac:inkMkLst>
+            <pc:docMk/>
+            <pc:sldMk cId="1865342885" sldId="259"/>
+            <ac:inkMk id="10" creationId="{3B5C6EEE-E420-B345-A64C-60ED080DBBD6}"/>
+          </ac:inkMkLst>
+        </pc:inkChg>
+        <pc:inkChg chg="add del mod">
+          <ac:chgData name="Soussand, Yoan" userId="6c304db6-38ce-44e5-ba9b-3778b08966c2" providerId="ADAL" clId="{48BB3D40-CF1B-BF4C-BC0E-C7576551C5C0}" dt="2021-09-22T11:45:33.960" v="2040" actId="478"/>
+          <ac:inkMkLst>
+            <pc:docMk/>
+            <pc:sldMk cId="1865342885" sldId="259"/>
+            <ac:inkMk id="11" creationId="{086CDD43-14B8-9840-8891-41452B938B77}"/>
+          </ac:inkMkLst>
+        </pc:inkChg>
+        <pc:inkChg chg="add del">
+          <ac:chgData name="Soussand, Yoan" userId="6c304db6-38ce-44e5-ba9b-3778b08966c2" providerId="ADAL" clId="{48BB3D40-CF1B-BF4C-BC0E-C7576551C5C0}" dt="2021-09-21T10:41:36.981" v="1442" actId="9405"/>
+          <ac:inkMkLst>
+            <pc:docMk/>
+            <pc:sldMk cId="1865342885" sldId="259"/>
+            <ac:inkMk id="13" creationId="{4952C5B2-B9C6-1743-B8A8-89E3E88CD639}"/>
+          </ac:inkMkLst>
+        </pc:inkChg>
+        <pc:inkChg chg="add del mod">
+          <ac:chgData name="Soussand, Yoan" userId="6c304db6-38ce-44e5-ba9b-3778b08966c2" providerId="ADAL" clId="{48BB3D40-CF1B-BF4C-BC0E-C7576551C5C0}" dt="2021-09-21T10:42:04.738" v="1446"/>
+          <ac:inkMkLst>
+            <pc:docMk/>
+            <pc:sldMk cId="1865342885" sldId="259"/>
+            <ac:inkMk id="14" creationId="{33BC7956-F72E-1A4D-A023-BCF49763DF96}"/>
+          </ac:inkMkLst>
+        </pc:inkChg>
+        <pc:inkChg chg="add del">
+          <ac:chgData name="Soussand, Yoan" userId="6c304db6-38ce-44e5-ba9b-3778b08966c2" providerId="ADAL" clId="{48BB3D40-CF1B-BF4C-BC0E-C7576551C5C0}" dt="2021-09-22T11:45:24.851" v="2038" actId="478"/>
+          <ac:inkMkLst>
+            <pc:docMk/>
+            <pc:sldMk cId="1865342885" sldId="259"/>
+            <ac:inkMk id="16" creationId="{3E33936F-625C-4847-AD4E-4D5A3425F661}"/>
+          </ac:inkMkLst>
+        </pc:inkChg>
+        <pc:inkChg chg="add del">
+          <ac:chgData name="Soussand, Yoan" userId="6c304db6-38ce-44e5-ba9b-3778b08966c2" providerId="ADAL" clId="{48BB3D40-CF1B-BF4C-BC0E-C7576551C5C0}" dt="2021-09-22T11:45:33.960" v="2040" actId="478"/>
+          <ac:inkMkLst>
+            <pc:docMk/>
+            <pc:sldMk cId="1865342885" sldId="259"/>
+            <ac:inkMk id="17" creationId="{03323E63-4E11-EA43-867E-16620DBABB74}"/>
+          </ac:inkMkLst>
+        </pc:inkChg>
+        <pc:inkChg chg="add del">
+          <ac:chgData name="Soussand, Yoan" userId="6c304db6-38ce-44e5-ba9b-3778b08966c2" providerId="ADAL" clId="{48BB3D40-CF1B-BF4C-BC0E-C7576551C5C0}" dt="2021-09-22T11:45:18.308" v="2037" actId="478"/>
+          <ac:inkMkLst>
+            <pc:docMk/>
+            <pc:sldMk cId="1865342885" sldId="259"/>
+            <ac:inkMk id="18" creationId="{301046A5-9BDE-004C-B93E-3B749F307511}"/>
+          </ac:inkMkLst>
+        </pc:inkChg>
+        <pc:inkChg chg="add del">
+          <ac:chgData name="Soussand, Yoan" userId="6c304db6-38ce-44e5-ba9b-3778b08966c2" providerId="ADAL" clId="{48BB3D40-CF1B-BF4C-BC0E-C7576551C5C0}" dt="2021-09-22T11:45:33.960" v="2040" actId="478"/>
+          <ac:inkMkLst>
+            <pc:docMk/>
+            <pc:sldMk cId="1865342885" sldId="259"/>
+            <ac:inkMk id="19" creationId="{8C47A4FA-8D34-9B46-80B8-09A6CA07659D}"/>
+          </ac:inkMkLst>
+        </pc:inkChg>
+        <pc:inkChg chg="add del">
+          <ac:chgData name="Soussand, Yoan" userId="6c304db6-38ce-44e5-ba9b-3778b08966c2" providerId="ADAL" clId="{48BB3D40-CF1B-BF4C-BC0E-C7576551C5C0}" dt="2021-09-22T11:45:33.960" v="2040" actId="478"/>
+          <ac:inkMkLst>
+            <pc:docMk/>
+            <pc:sldMk cId="1865342885" sldId="259"/>
+            <ac:inkMk id="20" creationId="{E02686F4-F136-2443-AF73-ED1DBA650F64}"/>
+          </ac:inkMkLst>
+        </pc:inkChg>
+        <pc:inkChg chg="add del">
+          <ac:chgData name="Soussand, Yoan" userId="6c304db6-38ce-44e5-ba9b-3778b08966c2" providerId="ADAL" clId="{48BB3D40-CF1B-BF4C-BC0E-C7576551C5C0}" dt="2021-09-22T11:45:33.960" v="2040" actId="478"/>
+          <ac:inkMkLst>
+            <pc:docMk/>
+            <pc:sldMk cId="1865342885" sldId="259"/>
+            <ac:inkMk id="21" creationId="{4022F404-66F7-E24E-87EE-899E83A736FE}"/>
+          </ac:inkMkLst>
+        </pc:inkChg>
+        <pc:inkChg chg="add mod">
+          <ac:chgData name="Soussand, Yoan" userId="6c304db6-38ce-44e5-ba9b-3778b08966c2" providerId="ADAL" clId="{48BB3D40-CF1B-BF4C-BC0E-C7576551C5C0}" dt="2021-09-21T10:45:52.488" v="1455"/>
+          <ac:inkMkLst>
+            <pc:docMk/>
+            <pc:sldMk cId="1865342885" sldId="259"/>
+            <ac:inkMk id="22" creationId="{843E73B6-95E8-E44B-8E76-A37D1792FA6C}"/>
+          </ac:inkMkLst>
+        </pc:inkChg>
+        <pc:inkChg chg="add mod">
+          <ac:chgData name="Soussand, Yoan" userId="6c304db6-38ce-44e5-ba9b-3778b08966c2" providerId="ADAL" clId="{48BB3D40-CF1B-BF4C-BC0E-C7576551C5C0}" dt="2021-09-21T10:45:52.488" v="1455"/>
+          <ac:inkMkLst>
+            <pc:docMk/>
+            <pc:sldMk cId="1865342885" sldId="259"/>
+            <ac:inkMk id="23" creationId="{3304A617-AE13-434F-95B6-A33E9ABAF882}"/>
+          </ac:inkMkLst>
+        </pc:inkChg>
+        <pc:inkChg chg="add mod">
+          <ac:chgData name="Soussand, Yoan" userId="6c304db6-38ce-44e5-ba9b-3778b08966c2" providerId="ADAL" clId="{48BB3D40-CF1B-BF4C-BC0E-C7576551C5C0}" dt="2021-09-21T10:46:17.786" v="1460"/>
+          <ac:inkMkLst>
+            <pc:docMk/>
+            <pc:sldMk cId="1865342885" sldId="259"/>
+            <ac:inkMk id="25" creationId="{25F12B1D-6021-CD41-9FDB-1B485469A4E9}"/>
+          </ac:inkMkLst>
+        </pc:inkChg>
+        <pc:inkChg chg="add mod">
+          <ac:chgData name="Soussand, Yoan" userId="6c304db6-38ce-44e5-ba9b-3778b08966c2" providerId="ADAL" clId="{48BB3D40-CF1B-BF4C-BC0E-C7576551C5C0}" dt="2021-09-21T10:46:17.786" v="1460"/>
+          <ac:inkMkLst>
+            <pc:docMk/>
+            <pc:sldMk cId="1865342885" sldId="259"/>
+            <ac:inkMk id="26" creationId="{AF54DF34-FBAC-7F4A-8BBE-164B4C3B84DB}"/>
+          </ac:inkMkLst>
+        </pc:inkChg>
+        <pc:inkChg chg="add mod">
+          <ac:chgData name="Soussand, Yoan" userId="6c304db6-38ce-44e5-ba9b-3778b08966c2" providerId="ADAL" clId="{48BB3D40-CF1B-BF4C-BC0E-C7576551C5C0}" dt="2021-09-21T10:46:17.786" v="1460"/>
+          <ac:inkMkLst>
+            <pc:docMk/>
+            <pc:sldMk cId="1865342885" sldId="259"/>
+            <ac:inkMk id="28" creationId="{53A34F9A-DFEC-F141-895D-84229C6DFBC1}"/>
+          </ac:inkMkLst>
+        </pc:inkChg>
+        <pc:inkChg chg="add mod">
+          <ac:chgData name="Soussand, Yoan" userId="6c304db6-38ce-44e5-ba9b-3778b08966c2" providerId="ADAL" clId="{48BB3D40-CF1B-BF4C-BC0E-C7576551C5C0}" dt="2021-09-21T10:46:27.461" v="1468"/>
+          <ac:inkMkLst>
+            <pc:docMk/>
+            <pc:sldMk cId="1865342885" sldId="259"/>
+            <ac:inkMk id="30" creationId="{A5001E74-1C35-7D4A-9CAB-9F968C3F4E8F}"/>
+          </ac:inkMkLst>
+        </pc:inkChg>
+        <pc:inkChg chg="add mod">
+          <ac:chgData name="Soussand, Yoan" userId="6c304db6-38ce-44e5-ba9b-3778b08966c2" providerId="ADAL" clId="{48BB3D40-CF1B-BF4C-BC0E-C7576551C5C0}" dt="2021-09-21T10:46:27.461" v="1468"/>
+          <ac:inkMkLst>
+            <pc:docMk/>
+            <pc:sldMk cId="1865342885" sldId="259"/>
+            <ac:inkMk id="31" creationId="{0FEA3D0C-1890-E94F-912E-79DB91C8FE6C}"/>
+          </ac:inkMkLst>
+        </pc:inkChg>
+        <pc:inkChg chg="add mod">
+          <ac:chgData name="Soussand, Yoan" userId="6c304db6-38ce-44e5-ba9b-3778b08966c2" providerId="ADAL" clId="{48BB3D40-CF1B-BF4C-BC0E-C7576551C5C0}" dt="2021-09-21T10:46:27.461" v="1468"/>
+          <ac:inkMkLst>
+            <pc:docMk/>
+            <pc:sldMk cId="1865342885" sldId="259"/>
+            <ac:inkMk id="32" creationId="{9FCB6DF9-3774-BF44-9CC7-3E8776D5474B}"/>
+          </ac:inkMkLst>
+        </pc:inkChg>
+        <pc:inkChg chg="add mod">
+          <ac:chgData name="Soussand, Yoan" userId="6c304db6-38ce-44e5-ba9b-3778b08966c2" providerId="ADAL" clId="{48BB3D40-CF1B-BF4C-BC0E-C7576551C5C0}" dt="2021-09-21T10:46:27.461" v="1468"/>
+          <ac:inkMkLst>
+            <pc:docMk/>
+            <pc:sldMk cId="1865342885" sldId="259"/>
+            <ac:inkMk id="34" creationId="{22994BF1-CB8D-7D44-803C-21FAE11369A5}"/>
+          </ac:inkMkLst>
+        </pc:inkChg>
+        <pc:inkChg chg="add mod">
+          <ac:chgData name="Soussand, Yoan" userId="6c304db6-38ce-44e5-ba9b-3778b08966c2" providerId="ADAL" clId="{48BB3D40-CF1B-BF4C-BC0E-C7576551C5C0}" dt="2021-09-21T10:46:27.461" v="1468"/>
+          <ac:inkMkLst>
+            <pc:docMk/>
+            <pc:sldMk cId="1865342885" sldId="259"/>
+            <ac:inkMk id="36" creationId="{3CDF5F39-9146-7840-82FB-2DC3375CA69A}"/>
+          </ac:inkMkLst>
+        </pc:inkChg>
+        <pc:inkChg chg="add del">
+          <ac:chgData name="Soussand, Yoan" userId="6c304db6-38ce-44e5-ba9b-3778b08966c2" providerId="ADAL" clId="{48BB3D40-CF1B-BF4C-BC0E-C7576551C5C0}" dt="2021-09-22T11:45:33.960" v="2040" actId="478"/>
+          <ac:inkMkLst>
+            <pc:docMk/>
+            <pc:sldMk cId="1865342885" sldId="259"/>
+            <ac:inkMk id="38" creationId="{66A0536D-F823-364B-B41E-8EC58EC9522C}"/>
+          </ac:inkMkLst>
+        </pc:inkChg>
+        <pc:inkChg chg="add mod">
+          <ac:chgData name="Soussand, Yoan" userId="6c304db6-38ce-44e5-ba9b-3778b08966c2" providerId="ADAL" clId="{48BB3D40-CF1B-BF4C-BC0E-C7576551C5C0}" dt="2021-09-21T10:46:57.845" v="1475"/>
+          <ac:inkMkLst>
+            <pc:docMk/>
+            <pc:sldMk cId="1865342885" sldId="259"/>
+            <ac:inkMk id="39" creationId="{042C85CD-2A31-3D42-896E-6F324E43BA9D}"/>
+          </ac:inkMkLst>
+        </pc:inkChg>
+        <pc:inkChg chg="add mod">
+          <ac:chgData name="Soussand, Yoan" userId="6c304db6-38ce-44e5-ba9b-3778b08966c2" providerId="ADAL" clId="{48BB3D40-CF1B-BF4C-BC0E-C7576551C5C0}" dt="2021-09-21T10:46:57.845" v="1475"/>
+          <ac:inkMkLst>
+            <pc:docMk/>
+            <pc:sldMk cId="1865342885" sldId="259"/>
+            <ac:inkMk id="41" creationId="{876BF450-02EC-4048-92EE-44CCA7CD13D2}"/>
+          </ac:inkMkLst>
+        </pc:inkChg>
+        <pc:inkChg chg="add mod">
+          <ac:chgData name="Soussand, Yoan" userId="6c304db6-38ce-44e5-ba9b-3778b08966c2" providerId="ADAL" clId="{48BB3D40-CF1B-BF4C-BC0E-C7576551C5C0}" dt="2021-09-21T10:46:57.845" v="1475"/>
+          <ac:inkMkLst>
+            <pc:docMk/>
+            <pc:sldMk cId="1865342885" sldId="259"/>
+            <ac:inkMk id="43" creationId="{BA0EEA21-7D7D-B34F-9ACF-1CD78BDB0ECC}"/>
+          </ac:inkMkLst>
+        </pc:inkChg>
+        <pc:inkChg chg="add mod">
+          <ac:chgData name="Soussand, Yoan" userId="6c304db6-38ce-44e5-ba9b-3778b08966c2" providerId="ADAL" clId="{48BB3D40-CF1B-BF4C-BC0E-C7576551C5C0}" dt="2021-09-21T10:47:08.119" v="1479"/>
+          <ac:inkMkLst>
+            <pc:docMk/>
+            <pc:sldMk cId="1865342885" sldId="259"/>
+            <ac:inkMk id="45" creationId="{92175D9B-9F9E-6C45-81A8-CB95D0DC5AC3}"/>
+          </ac:inkMkLst>
+        </pc:inkChg>
+        <pc:inkChg chg="add mod">
+          <ac:chgData name="Soussand, Yoan" userId="6c304db6-38ce-44e5-ba9b-3778b08966c2" providerId="ADAL" clId="{48BB3D40-CF1B-BF4C-BC0E-C7576551C5C0}" dt="2021-09-21T10:47:08.119" v="1479"/>
+          <ac:inkMkLst>
+            <pc:docMk/>
+            <pc:sldMk cId="1865342885" sldId="259"/>
+            <ac:inkMk id="46" creationId="{914B6A74-4423-0445-A7DB-B32AC6748DAC}"/>
+          </ac:inkMkLst>
+        </pc:inkChg>
+        <pc:inkChg chg="add del">
+          <ac:chgData name="Soussand, Yoan" userId="6c304db6-38ce-44e5-ba9b-3778b08966c2" providerId="ADAL" clId="{48BB3D40-CF1B-BF4C-BC0E-C7576551C5C0}" dt="2021-09-22T11:45:33.960" v="2040" actId="478"/>
+          <ac:inkMkLst>
+            <pc:docMk/>
+            <pc:sldMk cId="1865342885" sldId="259"/>
+            <ac:inkMk id="47" creationId="{84A436F7-3FE0-C347-978D-D6D77B8FA410}"/>
+          </ac:inkMkLst>
+        </pc:inkChg>
         <pc:cxnChg chg="add del">
           <ac:chgData name="Soussand, Yoan" userId="6c304db6-38ce-44e5-ba9b-3778b08966c2" providerId="ADAL" clId="{48BB3D40-CF1B-BF4C-BC0E-C7576551C5C0}" dt="2021-09-17T20:08:24.945" v="1019" actId="26606"/>
           <ac:cxnSpMkLst>
@@ -2690,7 +3070,7 @@
         </pc:cxnChg>
       </pc:sldChg>
       <pc:sldChg chg="addSp delSp modSp new mod setBg setClrOvrMap">
-        <pc:chgData name="Soussand, Yoan" userId="6c304db6-38ce-44e5-ba9b-3778b08966c2" providerId="ADAL" clId="{48BB3D40-CF1B-BF4C-BC0E-C7576551C5C0}" dt="2021-09-17T20:33:32.993" v="1235" actId="26606"/>
+        <pc:chgData name="Soussand, Yoan" userId="6c304db6-38ce-44e5-ba9b-3778b08966c2" providerId="ADAL" clId="{48BB3D40-CF1B-BF4C-BC0E-C7576551C5C0}" dt="2021-09-22T19:47:03.406" v="2320" actId="11"/>
         <pc:sldMkLst>
           <pc:docMk/>
           <pc:sldMk cId="1652119300" sldId="260"/>
@@ -2720,7 +3100,7 @@
           </ac:spMkLst>
         </pc:spChg>
         <pc:spChg chg="add mod topLvl">
-          <ac:chgData name="Soussand, Yoan" userId="6c304db6-38ce-44e5-ba9b-3778b08966c2" providerId="ADAL" clId="{48BB3D40-CF1B-BF4C-BC0E-C7576551C5C0}" dt="2021-09-17T20:33:32.993" v="1235" actId="26606"/>
+          <ac:chgData name="Soussand, Yoan" userId="6c304db6-38ce-44e5-ba9b-3778b08966c2" providerId="ADAL" clId="{48BB3D40-CF1B-BF4C-BC0E-C7576551C5C0}" dt="2021-09-22T19:47:03.406" v="2320" actId="11"/>
           <ac:spMkLst>
             <pc:docMk/>
             <pc:sldMk cId="1652119300" sldId="260"/>
@@ -2783,6 +3163,197 @@
             <ac:grpSpMk id="4" creationId="{ECC9F121-9533-4F4C-90C2-713FF770BFF0}"/>
           </ac:grpSpMkLst>
         </pc:grpChg>
+      </pc:sldChg>
+      <pc:sldChg chg="addSp delSp modSp new mod setBg modAnim setClrOvrMap">
+        <pc:chgData name="Soussand, Yoan" userId="6c304db6-38ce-44e5-ba9b-3778b08966c2" providerId="ADAL" clId="{48BB3D40-CF1B-BF4C-BC0E-C7576551C5C0}" dt="2021-09-22T19:43:41.298" v="2299" actId="255"/>
+        <pc:sldMkLst>
+          <pc:docMk/>
+          <pc:sldMk cId="3169621709" sldId="261"/>
+        </pc:sldMkLst>
+        <pc:spChg chg="del mod">
+          <ac:chgData name="Soussand, Yoan" userId="6c304db6-38ce-44e5-ba9b-3778b08966c2" providerId="ADAL" clId="{48BB3D40-CF1B-BF4C-BC0E-C7576551C5C0}" dt="2021-09-21T19:29:15.420" v="1500" actId="478"/>
+          <ac:spMkLst>
+            <pc:docMk/>
+            <pc:sldMk cId="3169621709" sldId="261"/>
+            <ac:spMk id="2" creationId="{DF8086A0-AD37-FA43-8871-232F1E42F562}"/>
+          </ac:spMkLst>
+        </pc:spChg>
+        <pc:spChg chg="mod">
+          <ac:chgData name="Soussand, Yoan" userId="6c304db6-38ce-44e5-ba9b-3778b08966c2" providerId="ADAL" clId="{48BB3D40-CF1B-BF4C-BC0E-C7576551C5C0}" dt="2021-09-22T19:43:41.298" v="2299" actId="255"/>
+          <ac:spMkLst>
+            <pc:docMk/>
+            <pc:sldMk cId="3169621709" sldId="261"/>
+            <ac:spMk id="3" creationId="{C46DB99F-6DC4-8749-B7B4-C443F4C1CBA3}"/>
+          </ac:spMkLst>
+        </pc:spChg>
+        <pc:spChg chg="add mod">
+          <ac:chgData name="Soussand, Yoan" userId="6c304db6-38ce-44e5-ba9b-3778b08966c2" providerId="ADAL" clId="{48BB3D40-CF1B-BF4C-BC0E-C7576551C5C0}" dt="2021-09-22T19:39:47.197" v="2081" actId="1076"/>
+          <ac:spMkLst>
+            <pc:docMk/>
+            <pc:sldMk cId="3169621709" sldId="261"/>
+            <ac:spMk id="4" creationId="{B88425AE-ED07-864B-A825-835D13161939}"/>
+          </ac:spMkLst>
+        </pc:spChg>
+        <pc:spChg chg="add del">
+          <ac:chgData name="Soussand, Yoan" userId="6c304db6-38ce-44e5-ba9b-3778b08966c2" providerId="ADAL" clId="{48BB3D40-CF1B-BF4C-BC0E-C7576551C5C0}" dt="2021-09-21T20:04:18.165" v="1956" actId="26606"/>
+          <ac:spMkLst>
+            <pc:docMk/>
+            <pc:sldMk cId="3169621709" sldId="261"/>
+            <ac:spMk id="8" creationId="{F837543A-6020-4505-A233-C9DB4BF74011}"/>
+          </ac:spMkLst>
+        </pc:spChg>
+        <pc:spChg chg="add del">
+          <ac:chgData name="Soussand, Yoan" userId="6c304db6-38ce-44e5-ba9b-3778b08966c2" providerId="ADAL" clId="{48BB3D40-CF1B-BF4C-BC0E-C7576551C5C0}" dt="2021-09-21T20:04:18.165" v="1956" actId="26606"/>
+          <ac:spMkLst>
+            <pc:docMk/>
+            <pc:sldMk cId="3169621709" sldId="261"/>
+            <ac:spMk id="10" creationId="{35B16301-FB18-48BA-A6DD-C37CAF6F9A18}"/>
+          </ac:spMkLst>
+        </pc:spChg>
+        <pc:spChg chg="add del">
+          <ac:chgData name="Soussand, Yoan" userId="6c304db6-38ce-44e5-ba9b-3778b08966c2" providerId="ADAL" clId="{48BB3D40-CF1B-BF4C-BC0E-C7576551C5C0}" dt="2021-09-21T20:04:18.165" v="1956" actId="26606"/>
+          <ac:spMkLst>
+            <pc:docMk/>
+            <pc:sldMk cId="3169621709" sldId="261"/>
+            <ac:spMk id="12" creationId="{C3C0D90E-074A-4F52-9B11-B52BEF4BCBE5}"/>
+          </ac:spMkLst>
+        </pc:spChg>
+        <pc:spChg chg="add del">
+          <ac:chgData name="Soussand, Yoan" userId="6c304db6-38ce-44e5-ba9b-3778b08966c2" providerId="ADAL" clId="{48BB3D40-CF1B-BF4C-BC0E-C7576551C5C0}" dt="2021-09-21T20:04:18.165" v="1956" actId="26606"/>
+          <ac:spMkLst>
+            <pc:docMk/>
+            <pc:sldMk cId="3169621709" sldId="261"/>
+            <ac:spMk id="14" creationId="{CABBD4C1-E6F8-46F6-8152-A8A97490BF4D}"/>
+          </ac:spMkLst>
+        </pc:spChg>
+        <pc:spChg chg="add del">
+          <ac:chgData name="Soussand, Yoan" userId="6c304db6-38ce-44e5-ba9b-3778b08966c2" providerId="ADAL" clId="{48BB3D40-CF1B-BF4C-BC0E-C7576551C5C0}" dt="2021-09-21T20:04:18.165" v="1956" actId="26606"/>
+          <ac:spMkLst>
+            <pc:docMk/>
+            <pc:sldMk cId="3169621709" sldId="261"/>
+            <ac:spMk id="16" creationId="{83BA5EF5-1FE9-4BF9-83BB-269BCDDF6156}"/>
+          </ac:spMkLst>
+        </pc:spChg>
+        <pc:spChg chg="add del">
+          <ac:chgData name="Soussand, Yoan" userId="6c304db6-38ce-44e5-ba9b-3778b08966c2" providerId="ADAL" clId="{48BB3D40-CF1B-BF4C-BC0E-C7576551C5C0}" dt="2021-09-21T20:04:18.165" v="1956" actId="26606"/>
+          <ac:spMkLst>
+            <pc:docMk/>
+            <pc:sldMk cId="3169621709" sldId="261"/>
+            <ac:spMk id="20" creationId="{88853921-7BC9-4BDE-ACAB-133C683C82D6}"/>
+          </ac:spMkLst>
+        </pc:spChg>
+        <pc:spChg chg="add del">
+          <ac:chgData name="Soussand, Yoan" userId="6c304db6-38ce-44e5-ba9b-3778b08966c2" providerId="ADAL" clId="{48BB3D40-CF1B-BF4C-BC0E-C7576551C5C0}" dt="2021-09-21T20:04:18.165" v="1956" actId="26606"/>
+          <ac:spMkLst>
+            <pc:docMk/>
+            <pc:sldMk cId="3169621709" sldId="261"/>
+            <ac:spMk id="22" creationId="{09192968-3AE7-4470-A61C-97294BB92731}"/>
+          </ac:spMkLst>
+        </pc:spChg>
+        <pc:spChg chg="add del">
+          <ac:chgData name="Soussand, Yoan" userId="6c304db6-38ce-44e5-ba9b-3778b08966c2" providerId="ADAL" clId="{48BB3D40-CF1B-BF4C-BC0E-C7576551C5C0}" dt="2021-09-21T20:04:18.165" v="1956" actId="26606"/>
+          <ac:spMkLst>
+            <pc:docMk/>
+            <pc:sldMk cId="3169621709" sldId="261"/>
+            <ac:spMk id="24" creationId="{3AB72E55-43E4-4356-BFE8-E2102CB0B505}"/>
+          </ac:spMkLst>
+        </pc:spChg>
+        <pc:spChg chg="add del">
+          <ac:chgData name="Soussand, Yoan" userId="6c304db6-38ce-44e5-ba9b-3778b08966c2" providerId="ADAL" clId="{48BB3D40-CF1B-BF4C-BC0E-C7576551C5C0}" dt="2021-09-21T20:04:18.151" v="1955" actId="26606"/>
+          <ac:spMkLst>
+            <pc:docMk/>
+            <pc:sldMk cId="3169621709" sldId="261"/>
+            <ac:spMk id="29" creationId="{F837543A-6020-4505-A233-C9DB4BF74011}"/>
+          </ac:spMkLst>
+        </pc:spChg>
+        <pc:spChg chg="add del">
+          <ac:chgData name="Soussand, Yoan" userId="6c304db6-38ce-44e5-ba9b-3778b08966c2" providerId="ADAL" clId="{48BB3D40-CF1B-BF4C-BC0E-C7576551C5C0}" dt="2021-09-21T20:04:18.151" v="1955" actId="26606"/>
+          <ac:spMkLst>
+            <pc:docMk/>
+            <pc:sldMk cId="3169621709" sldId="261"/>
+            <ac:spMk id="31" creationId="{35B16301-FB18-48BA-A6DD-C37CAF6F9A18}"/>
+          </ac:spMkLst>
+        </pc:spChg>
+        <pc:spChg chg="add del">
+          <ac:chgData name="Soussand, Yoan" userId="6c304db6-38ce-44e5-ba9b-3778b08966c2" providerId="ADAL" clId="{48BB3D40-CF1B-BF4C-BC0E-C7576551C5C0}" dt="2021-09-21T20:04:18.151" v="1955" actId="26606"/>
+          <ac:spMkLst>
+            <pc:docMk/>
+            <pc:sldMk cId="3169621709" sldId="261"/>
+            <ac:spMk id="33" creationId="{C3C0D90E-074A-4F52-9B11-B52BEF4BCBE5}"/>
+          </ac:spMkLst>
+        </pc:spChg>
+        <pc:spChg chg="add del">
+          <ac:chgData name="Soussand, Yoan" userId="6c304db6-38ce-44e5-ba9b-3778b08966c2" providerId="ADAL" clId="{48BB3D40-CF1B-BF4C-BC0E-C7576551C5C0}" dt="2021-09-21T20:04:18.151" v="1955" actId="26606"/>
+          <ac:spMkLst>
+            <pc:docMk/>
+            <pc:sldMk cId="3169621709" sldId="261"/>
+            <ac:spMk id="35" creationId="{CABBD4C1-E6F8-46F6-8152-A8A97490BF4D}"/>
+          </ac:spMkLst>
+        </pc:spChg>
+        <pc:spChg chg="add del">
+          <ac:chgData name="Soussand, Yoan" userId="6c304db6-38ce-44e5-ba9b-3778b08966c2" providerId="ADAL" clId="{48BB3D40-CF1B-BF4C-BC0E-C7576551C5C0}" dt="2021-09-21T20:04:18.151" v="1955" actId="26606"/>
+          <ac:spMkLst>
+            <pc:docMk/>
+            <pc:sldMk cId="3169621709" sldId="261"/>
+            <ac:spMk id="37" creationId="{83BA5EF5-1FE9-4BF9-83BB-269BCDDF6156}"/>
+          </ac:spMkLst>
+        </pc:spChg>
+        <pc:spChg chg="add del">
+          <ac:chgData name="Soussand, Yoan" userId="6c304db6-38ce-44e5-ba9b-3778b08966c2" providerId="ADAL" clId="{48BB3D40-CF1B-BF4C-BC0E-C7576551C5C0}" dt="2021-09-21T20:04:18.151" v="1955" actId="26606"/>
+          <ac:spMkLst>
+            <pc:docMk/>
+            <pc:sldMk cId="3169621709" sldId="261"/>
+            <ac:spMk id="41" creationId="{88853921-7BC9-4BDE-ACAB-133C683C82D6}"/>
+          </ac:spMkLst>
+        </pc:spChg>
+        <pc:spChg chg="add del">
+          <ac:chgData name="Soussand, Yoan" userId="6c304db6-38ce-44e5-ba9b-3778b08966c2" providerId="ADAL" clId="{48BB3D40-CF1B-BF4C-BC0E-C7576551C5C0}" dt="2021-09-21T20:04:18.151" v="1955" actId="26606"/>
+          <ac:spMkLst>
+            <pc:docMk/>
+            <pc:sldMk cId="3169621709" sldId="261"/>
+            <ac:spMk id="43" creationId="{09192968-3AE7-4470-A61C-97294BB92731}"/>
+          </ac:spMkLst>
+        </pc:spChg>
+        <pc:spChg chg="add del">
+          <ac:chgData name="Soussand, Yoan" userId="6c304db6-38ce-44e5-ba9b-3778b08966c2" providerId="ADAL" clId="{48BB3D40-CF1B-BF4C-BC0E-C7576551C5C0}" dt="2021-09-21T20:04:18.151" v="1955" actId="26606"/>
+          <ac:spMkLst>
+            <pc:docMk/>
+            <pc:sldMk cId="3169621709" sldId="261"/>
+            <ac:spMk id="45" creationId="{3AB72E55-43E4-4356-BFE8-E2102CB0B505}"/>
+          </ac:spMkLst>
+        </pc:spChg>
+        <pc:spChg chg="add">
+          <ac:chgData name="Soussand, Yoan" userId="6c304db6-38ce-44e5-ba9b-3778b08966c2" providerId="ADAL" clId="{48BB3D40-CF1B-BF4C-BC0E-C7576551C5C0}" dt="2021-09-21T20:04:18.165" v="1956" actId="26606"/>
+          <ac:spMkLst>
+            <pc:docMk/>
+            <pc:sldMk cId="3169621709" sldId="261"/>
+            <ac:spMk id="47" creationId="{AD21898E-86C0-4C8A-A76C-DF33E844C87A}"/>
+          </ac:spMkLst>
+        </pc:spChg>
+        <pc:spChg chg="add">
+          <ac:chgData name="Soussand, Yoan" userId="6c304db6-38ce-44e5-ba9b-3778b08966c2" providerId="ADAL" clId="{48BB3D40-CF1B-BF4C-BC0E-C7576551C5C0}" dt="2021-09-21T20:04:18.165" v="1956" actId="26606"/>
+          <ac:spMkLst>
+            <pc:docMk/>
+            <pc:sldMk cId="3169621709" sldId="261"/>
+            <ac:spMk id="48" creationId="{5C8F04BD-D093-45D0-B54C-50FDB308B4EE}"/>
+          </ac:spMkLst>
+        </pc:spChg>
+        <pc:cxnChg chg="add del">
+          <ac:chgData name="Soussand, Yoan" userId="6c304db6-38ce-44e5-ba9b-3778b08966c2" providerId="ADAL" clId="{48BB3D40-CF1B-BF4C-BC0E-C7576551C5C0}" dt="2021-09-21T20:04:18.165" v="1956" actId="26606"/>
+          <ac:cxnSpMkLst>
+            <pc:docMk/>
+            <pc:sldMk cId="3169621709" sldId="261"/>
+            <ac:cxnSpMk id="18" creationId="{4B3BCACB-5880-460B-9606-8C433A9AF99D}"/>
+          </ac:cxnSpMkLst>
+        </pc:cxnChg>
+        <pc:cxnChg chg="add del">
+          <ac:chgData name="Soussand, Yoan" userId="6c304db6-38ce-44e5-ba9b-3778b08966c2" providerId="ADAL" clId="{48BB3D40-CF1B-BF4C-BC0E-C7576551C5C0}" dt="2021-09-21T20:04:18.151" v="1955" actId="26606"/>
+          <ac:cxnSpMkLst>
+            <pc:docMk/>
+            <pc:sldMk cId="3169621709" sldId="261"/>
+            <ac:cxnSpMk id="39" creationId="{4B3BCACB-5880-460B-9606-8C433A9AF99D}"/>
+          </ac:cxnSpMkLst>
+        </pc:cxnChg>
       </pc:sldChg>
       <pc:sldMasterChg chg="addSp">
         <pc:chgData name="Soussand, Yoan" userId="6c304db6-38ce-44e5-ba9b-3778b08966c2" providerId="ADAL" clId="{48BB3D40-CF1B-BF4C-BC0E-C7576551C5C0}" dt="2021-09-17T18:45:23.053" v="33"/>
@@ -6270,7 +6841,7 @@
           <a:p>
             <a:fld id="{6B9AE5D5-FFBC-4045-8055-131A90186540}" type="datetimeFigureOut">
               <a:rPr lang="fr-FR" smtClean="0"/>
-              <a:t>18/09/2021</a:t>
+              <a:t>22/09/2021</a:t>
             </a:fld>
             <a:endParaRPr lang="fr-FR"/>
           </a:p>
@@ -6440,7 +7011,7 @@
           <a:p>
             <a:fld id="{6B9AE5D5-FFBC-4045-8055-131A90186540}" type="datetimeFigureOut">
               <a:rPr lang="fr-FR" smtClean="0"/>
-              <a:t>18/09/2021</a:t>
+              <a:t>22/09/2021</a:t>
             </a:fld>
             <a:endParaRPr lang="fr-FR"/>
           </a:p>
@@ -6620,7 +7191,7 @@
           <a:p>
             <a:fld id="{6B9AE5D5-FFBC-4045-8055-131A90186540}" type="datetimeFigureOut">
               <a:rPr lang="fr-FR" smtClean="0"/>
-              <a:t>18/09/2021</a:t>
+              <a:t>22/09/2021</a:t>
             </a:fld>
             <a:endParaRPr lang="fr-FR"/>
           </a:p>
@@ -6790,7 +7361,7 @@
           <a:p>
             <a:fld id="{6B9AE5D5-FFBC-4045-8055-131A90186540}" type="datetimeFigureOut">
               <a:rPr lang="fr-FR" smtClean="0"/>
-              <a:t>18/09/2021</a:t>
+              <a:t>22/09/2021</a:t>
             </a:fld>
             <a:endParaRPr lang="fr-FR"/>
           </a:p>
@@ -7036,7 +7607,7 @@
           <a:p>
             <a:fld id="{6B9AE5D5-FFBC-4045-8055-131A90186540}" type="datetimeFigureOut">
               <a:rPr lang="fr-FR" smtClean="0"/>
-              <a:t>18/09/2021</a:t>
+              <a:t>22/09/2021</a:t>
             </a:fld>
             <a:endParaRPr lang="fr-FR"/>
           </a:p>
@@ -7268,7 +7839,7 @@
           <a:p>
             <a:fld id="{6B9AE5D5-FFBC-4045-8055-131A90186540}" type="datetimeFigureOut">
               <a:rPr lang="fr-FR" smtClean="0"/>
-              <a:t>18/09/2021</a:t>
+              <a:t>22/09/2021</a:t>
             </a:fld>
             <a:endParaRPr lang="fr-FR"/>
           </a:p>
@@ -7635,7 +8206,7 @@
           <a:p>
             <a:fld id="{6B9AE5D5-FFBC-4045-8055-131A90186540}" type="datetimeFigureOut">
               <a:rPr lang="fr-FR" smtClean="0"/>
-              <a:t>18/09/2021</a:t>
+              <a:t>22/09/2021</a:t>
             </a:fld>
             <a:endParaRPr lang="fr-FR"/>
           </a:p>
@@ -7753,7 +8324,7 @@
           <a:p>
             <a:fld id="{6B9AE5D5-FFBC-4045-8055-131A90186540}" type="datetimeFigureOut">
               <a:rPr lang="fr-FR" smtClean="0"/>
-              <a:t>18/09/2021</a:t>
+              <a:t>22/09/2021</a:t>
             </a:fld>
             <a:endParaRPr lang="fr-FR"/>
           </a:p>
@@ -7848,7 +8419,7 @@
           <a:p>
             <a:fld id="{6B9AE5D5-FFBC-4045-8055-131A90186540}" type="datetimeFigureOut">
               <a:rPr lang="fr-FR" smtClean="0"/>
-              <a:t>18/09/2021</a:t>
+              <a:t>22/09/2021</a:t>
             </a:fld>
             <a:endParaRPr lang="fr-FR"/>
           </a:p>
@@ -8125,7 +8696,7 @@
           <a:p>
             <a:fld id="{6B9AE5D5-FFBC-4045-8055-131A90186540}" type="datetimeFigureOut">
               <a:rPr lang="fr-FR" smtClean="0"/>
-              <a:t>18/09/2021</a:t>
+              <a:t>22/09/2021</a:t>
             </a:fld>
             <a:endParaRPr lang="fr-FR"/>
           </a:p>
@@ -8382,7 +8953,7 @@
           <a:p>
             <a:fld id="{6B9AE5D5-FFBC-4045-8055-131A90186540}" type="datetimeFigureOut">
               <a:rPr lang="fr-FR" smtClean="0"/>
-              <a:t>18/09/2021</a:t>
+              <a:t>22/09/2021</a:t>
             </a:fld>
             <a:endParaRPr lang="fr-FR"/>
           </a:p>
@@ -8595,7 +9166,7 @@
           <a:p>
             <a:fld id="{6B9AE5D5-FFBC-4045-8055-131A90186540}" type="datetimeFigureOut">
               <a:rPr lang="fr-FR" smtClean="0"/>
-              <a:t>18/09/2021</a:t>
+              <a:t>22/09/2021</a:t>
             </a:fld>
             <a:endParaRPr lang="fr-FR"/>
           </a:p>
@@ -11241,6 +11812,10 @@
           </a:bodyPr>
           <a:lstStyle/>
           <a:p>
+            <a:pPr marL="857250" indent="-857250">
+              <a:buFont typeface="+mj-lt"/>
+              <a:buAutoNum type="romanUcPeriod"/>
+            </a:pPr>
             <a:r>
               <a:rPr lang="fr-FR" sz="3600" dirty="0">
                 <a:solidFill>
@@ -12520,8 +13095,8 @@
         </p:nvSpPr>
         <p:spPr>
           <a:xfrm>
-            <a:off x="660041" y="2767106"/>
-            <a:ext cx="2880828" cy="3071906"/>
+            <a:off x="52198" y="2945376"/>
+            <a:ext cx="3780209" cy="1398024"/>
           </a:xfrm>
         </p:spPr>
         <p:txBody>
@@ -12530,8 +13105,12 @@
           </a:bodyPr>
           <a:lstStyle/>
           <a:p>
+            <a:pPr marL="857250" indent="-857250">
+              <a:buFont typeface="+mj-lt"/>
+              <a:buAutoNum type="romanUcPeriod" startAt="2"/>
+            </a:pPr>
             <a:r>
-              <a:rPr lang="en-US" sz="4000" kern="1200">
+              <a:rPr lang="en-US" sz="4000" kern="1200" dirty="0" err="1">
                 <a:solidFill>
                   <a:srgbClr val="FFFFFF"/>
                 </a:solidFill>
@@ -12539,7 +13118,18 @@
                 <a:ea typeface="+mj-ea"/>
                 <a:cs typeface="+mj-cs"/>
               </a:rPr>
-              <a:t>Diagramme de sequence</a:t>
+              <a:t>Diagramme</a:t>
+            </a:r>
+            <a:r>
+              <a:rPr lang="en-US" sz="4000" kern="1200" dirty="0">
+                <a:solidFill>
+                  <a:srgbClr val="FFFFFF"/>
+                </a:solidFill>
+                <a:latin typeface="+mj-lt"/>
+                <a:ea typeface="+mj-ea"/>
+                <a:cs typeface="+mj-cs"/>
+              </a:rPr>
+              <a:t> de sequence</a:t>
             </a:r>
           </a:p>
         </p:txBody>
@@ -12576,10 +13166,10 @@
       </p:pic>
       <p:pic>
         <p:nvPicPr>
-          <p:cNvPr id="4" name="Image 3">
+          <p:cNvPr id="9" name="Image 8">
             <a:extLst>
               <a:ext uri="{FF2B5EF4-FFF2-40B4-BE49-F238E27FC236}">
-                <a16:creationId xmlns:a16="http://schemas.microsoft.com/office/drawing/2014/main" id="{886B99D1-5117-B346-ACAC-91BD2E49081F}"/>
+                <a16:creationId xmlns:a16="http://schemas.microsoft.com/office/drawing/2014/main" id="{D9AE466A-5949-FD40-8202-C91C56E50BD7}"/>
               </a:ext>
             </a:extLst>
           </p:cNvPr>
@@ -12596,8 +13186,8 @@
         </p:blipFill>
         <p:spPr>
           <a:xfrm>
-            <a:off x="4459412" y="391824"/>
-            <a:ext cx="7696193" cy="5854972"/>
+            <a:off x="4445747" y="221381"/>
+            <a:ext cx="7547444" cy="6198670"/>
           </a:xfrm>
           <a:prstGeom prst="rect">
             <a:avLst/>
@@ -12698,7 +13288,7 @@
                                           </p:stCondLst>
                                         </p:cTn>
                                         <p:tgtEl>
-                                          <p:spTgt spid="4"/>
+                                          <p:spTgt spid="3"/>
                                         </p:tgtEl>
                                         <p:attrNameLst>
                                           <p:attrName>style.visibility</p:attrName>
@@ -12710,9 +13300,9 @@
                                     </p:set>
                                     <p:anim calcmode="lin" valueType="num">
                                       <p:cBhvr>
-                                        <p:cTn id="11" dur="500" fill="hold"/>
+                                        <p:cTn id="11" dur="750" fill="hold"/>
                                         <p:tgtEl>
-                                          <p:spTgt spid="4"/>
+                                          <p:spTgt spid="3"/>
                                         </p:tgtEl>
                                         <p:attrNameLst>
                                           <p:attrName>ppt_w</p:attrName>
@@ -12733,9 +13323,9 @@
                                     </p:anim>
                                     <p:anim calcmode="lin" valueType="num">
                                       <p:cBhvr>
-                                        <p:cTn id="12" dur="500" fill="hold"/>
+                                        <p:cTn id="12" dur="750" fill="hold"/>
                                         <p:tgtEl>
-                                          <p:spTgt spid="4"/>
+                                          <p:spTgt spid="3"/>
                                         </p:tgtEl>
                                         <p:attrNameLst>
                                           <p:attrName>ppt_h</p:attrName>
@@ -12758,9 +13348,9 @@
                                 </p:cTn>
                               </p:par>
                               <p:par>
-                                <p:cTn id="13" presetID="17" presetClass="entr" presetSubtype="10" fill="hold" nodeType="withEffect">
+                                <p:cTn id="13" presetID="9" presetClass="entr" presetSubtype="0" fill="hold" nodeType="withEffect">
                                   <p:stCondLst>
-                                    <p:cond delay="0"/>
+                                    <p:cond delay="500"/>
                                   </p:stCondLst>
                                   <p:childTnLst>
                                     <p:set>
@@ -12771,7 +13361,7 @@
                                           </p:stCondLst>
                                         </p:cTn>
                                         <p:tgtEl>
-                                          <p:spTgt spid="3"/>
+                                          <p:spTgt spid="9"/>
                                         </p:tgtEl>
                                         <p:attrNameLst>
                                           <p:attrName>style.visibility</p:attrName>
@@ -12781,52 +13371,14 @@
                                         <p:strVal val="visible"/>
                                       </p:to>
                                     </p:set>
-                                    <p:anim calcmode="lin" valueType="num">
+                                    <p:animEffect transition="in" filter="dissolve">
                                       <p:cBhvr>
-                                        <p:cTn id="15" dur="500" fill="hold"/>
+                                        <p:cTn id="15" dur="500"/>
                                         <p:tgtEl>
-                                          <p:spTgt spid="3"/>
+                                          <p:spTgt spid="9"/>
                                         </p:tgtEl>
-                                        <p:attrNameLst>
-                                          <p:attrName>ppt_w</p:attrName>
-                                        </p:attrNameLst>
                                       </p:cBhvr>
-                                      <p:tavLst>
-                                        <p:tav tm="0">
-                                          <p:val>
-                                            <p:fltVal val="0"/>
-                                          </p:val>
-                                        </p:tav>
-                                        <p:tav tm="100000">
-                                          <p:val>
-                                            <p:strVal val="#ppt_w"/>
-                                          </p:val>
-                                        </p:tav>
-                                      </p:tavLst>
-                                    </p:anim>
-                                    <p:anim calcmode="lin" valueType="num">
-                                      <p:cBhvr>
-                                        <p:cTn id="16" dur="500" fill="hold"/>
-                                        <p:tgtEl>
-                                          <p:spTgt spid="3"/>
-                                        </p:tgtEl>
-                                        <p:attrNameLst>
-                                          <p:attrName>ppt_h</p:attrName>
-                                        </p:attrNameLst>
-                                      </p:cBhvr>
-                                      <p:tavLst>
-                                        <p:tav tm="0">
-                                          <p:val>
-                                            <p:strVal val="#ppt_h"/>
-                                          </p:val>
-                                        </p:tav>
-                                        <p:tav tm="100000">
-                                          <p:val>
-                                            <p:strVal val="#ppt_h"/>
-                                          </p:val>
-                                        </p:tav>
-                                      </p:tavLst>
-                                    </p:anim>
+                                    </p:animEffect>
                                   </p:childTnLst>
                                 </p:cTn>
                               </p:par>
@@ -12865,6 +13417,555 @@
 </file>
 
 <file path=ppt/slides/slide5.xml><?xml version="1.0" encoding="utf-8"?>
+<p:sld xmlns:a="http://schemas.openxmlformats.org/drawingml/2006/main" xmlns:r="http://schemas.openxmlformats.org/officeDocument/2006/relationships" xmlns:p="http://schemas.openxmlformats.org/presentationml/2006/main">
+  <p:cSld>
+    <p:bg>
+      <p:bgPr>
+        <a:solidFill>
+          <a:schemeClr val="bg1">
+            <a:tint val="95000"/>
+            <a:satMod val="170000"/>
+          </a:schemeClr>
+        </a:solidFill>
+        <a:effectLst/>
+      </p:bgPr>
+    </p:bg>
+    <p:spTree>
+      <p:nvGrpSpPr>
+        <p:cNvPr id="1" name=""/>
+        <p:cNvGrpSpPr/>
+        <p:nvPr/>
+      </p:nvGrpSpPr>
+      <p:grpSpPr>
+        <a:xfrm>
+          <a:off x="0" y="0"/>
+          <a:ext cx="0" cy="0"/>
+          <a:chOff x="0" y="0"/>
+          <a:chExt cx="0" cy="0"/>
+        </a:xfrm>
+      </p:grpSpPr>
+      <p:sp>
+        <p:nvSpPr>
+          <p:cNvPr id="47" name="Freeform: Shape 28">
+            <a:extLst>
+              <a:ext uri="{FF2B5EF4-FFF2-40B4-BE49-F238E27FC236}">
+                <a16:creationId xmlns:a16="http://schemas.microsoft.com/office/drawing/2014/main" id="{AD21898E-86C0-4C8A-A76C-DF33E844C87A}"/>
+              </a:ext>
+              <a:ext uri="{C183D7F6-B498-43B3-948B-1728B52AA6E4}">
+                <adec:decorative xmlns:adec="http://schemas.microsoft.com/office/drawing/2017/decorative" val="1"/>
+              </a:ext>
+            </a:extLst>
+          </p:cNvPr>
+          <p:cNvSpPr>
+            <a:spLocks noGrp="1" noRot="1" noChangeAspect="1" noMove="1" noResize="1" noEditPoints="1" noAdjustHandles="1" noChangeArrowheads="1" noChangeShapeType="1" noTextEdit="1"/>
+          </p:cNvSpPr>
+          <p:nvPr>
+            <p:extLst>
+              <p:ext uri="{386F3935-93C4-4BCD-93E2-E3B085C9AB24}">
+                <p16:designElem xmlns:p16="http://schemas.microsoft.com/office/powerpoint/2015/main" val="1"/>
+              </p:ext>
+            </p:extLst>
+          </p:nvPr>
+        </p:nvSpPr>
+        <p:spPr>
+          <a:xfrm>
+            <a:off x="879542" y="0"/>
+            <a:ext cx="10432916" cy="6858000"/>
+          </a:xfrm>
+          <a:custGeom>
+            <a:avLst/>
+            <a:gdLst>
+              <a:gd name="connsiteX0" fmla="*/ 1287962 w 10432916"/>
+              <a:gd name="connsiteY0" fmla="*/ 0 h 6858000"/>
+              <a:gd name="connsiteX1" fmla="*/ 9144956 w 10432916"/>
+              <a:gd name="connsiteY1" fmla="*/ 0 h 6858000"/>
+              <a:gd name="connsiteX2" fmla="*/ 9241731 w 10432916"/>
+              <a:gd name="connsiteY2" fmla="*/ 111692 h 6858000"/>
+              <a:gd name="connsiteX3" fmla="*/ 10432916 w 10432916"/>
+              <a:gd name="connsiteY3" fmla="*/ 3429001 h 6858000"/>
+              <a:gd name="connsiteX4" fmla="*/ 9241730 w 10432916"/>
+              <a:gd name="connsiteY4" fmla="*/ 6746310 h 6858000"/>
+              <a:gd name="connsiteX5" fmla="*/ 9144957 w 10432916"/>
+              <a:gd name="connsiteY5" fmla="*/ 6858000 h 6858000"/>
+              <a:gd name="connsiteX6" fmla="*/ 1287959 w 10432916"/>
+              <a:gd name="connsiteY6" fmla="*/ 6858000 h 6858000"/>
+              <a:gd name="connsiteX7" fmla="*/ 1191186 w 10432916"/>
+              <a:gd name="connsiteY7" fmla="*/ 6746310 h 6858000"/>
+              <a:gd name="connsiteX8" fmla="*/ 0 w 10432916"/>
+              <a:gd name="connsiteY8" fmla="*/ 3429001 h 6858000"/>
+              <a:gd name="connsiteX9" fmla="*/ 1191186 w 10432916"/>
+              <a:gd name="connsiteY9" fmla="*/ 111692 h 6858000"/>
+            </a:gdLst>
+            <a:ahLst/>
+            <a:cxnLst>
+              <a:cxn ang="0">
+                <a:pos x="connsiteX0" y="connsiteY0"/>
+              </a:cxn>
+              <a:cxn ang="0">
+                <a:pos x="connsiteX1" y="connsiteY1"/>
+              </a:cxn>
+              <a:cxn ang="0">
+                <a:pos x="connsiteX2" y="connsiteY2"/>
+              </a:cxn>
+              <a:cxn ang="0">
+                <a:pos x="connsiteX3" y="connsiteY3"/>
+              </a:cxn>
+              <a:cxn ang="0">
+                <a:pos x="connsiteX4" y="connsiteY4"/>
+              </a:cxn>
+              <a:cxn ang="0">
+                <a:pos x="connsiteX5" y="connsiteY5"/>
+              </a:cxn>
+              <a:cxn ang="0">
+                <a:pos x="connsiteX6" y="connsiteY6"/>
+              </a:cxn>
+              <a:cxn ang="0">
+                <a:pos x="connsiteX7" y="connsiteY7"/>
+              </a:cxn>
+              <a:cxn ang="0">
+                <a:pos x="connsiteX8" y="connsiteY8"/>
+              </a:cxn>
+              <a:cxn ang="0">
+                <a:pos x="connsiteX9" y="connsiteY9"/>
+              </a:cxn>
+            </a:cxnLst>
+            <a:rect l="l" t="t" r="r" b="b"/>
+            <a:pathLst>
+              <a:path w="10432916" h="6858000">
+                <a:moveTo>
+                  <a:pt x="1287962" y="0"/>
+                </a:moveTo>
+                <a:lnTo>
+                  <a:pt x="9144956" y="0"/>
+                </a:lnTo>
+                <a:lnTo>
+                  <a:pt x="9241731" y="111692"/>
+                </a:lnTo>
+                <a:cubicBezTo>
+                  <a:pt x="9985889" y="1013175"/>
+                  <a:pt x="10432916" y="2168897"/>
+                  <a:pt x="10432916" y="3429001"/>
+                </a:cubicBezTo>
+                <a:cubicBezTo>
+                  <a:pt x="10432916" y="4689105"/>
+                  <a:pt x="9985889" y="5844827"/>
+                  <a:pt x="9241730" y="6746310"/>
+                </a:cubicBezTo>
+                <a:lnTo>
+                  <a:pt x="9144957" y="6858000"/>
+                </a:lnTo>
+                <a:lnTo>
+                  <a:pt x="1287959" y="6858000"/>
+                </a:lnTo>
+                <a:lnTo>
+                  <a:pt x="1191186" y="6746310"/>
+                </a:lnTo>
+                <a:cubicBezTo>
+                  <a:pt x="447027" y="5844827"/>
+                  <a:pt x="0" y="4689105"/>
+                  <a:pt x="0" y="3429001"/>
+                </a:cubicBezTo>
+                <a:cubicBezTo>
+                  <a:pt x="0" y="2168897"/>
+                  <a:pt x="447027" y="1013175"/>
+                  <a:pt x="1191186" y="111692"/>
+                </a:cubicBezTo>
+                <a:close/>
+              </a:path>
+            </a:pathLst>
+          </a:custGeom>
+          <a:solidFill>
+            <a:schemeClr val="tx1">
+              <a:alpha val="80000"/>
+            </a:schemeClr>
+          </a:solidFill>
+          <a:ln>
+            <a:noFill/>
+          </a:ln>
+        </p:spPr>
+        <p:style>
+          <a:lnRef idx="2">
+            <a:schemeClr val="accent1">
+              <a:shade val="50000"/>
+            </a:schemeClr>
+          </a:lnRef>
+          <a:fillRef idx="1">
+            <a:schemeClr val="accent1"/>
+          </a:fillRef>
+          <a:effectRef idx="0">
+            <a:schemeClr val="accent1"/>
+          </a:effectRef>
+          <a:fontRef idx="minor">
+            <a:schemeClr val="lt1"/>
+          </a:fontRef>
+        </p:style>
+        <p:txBody>
+          <a:bodyPr rtlCol="0" anchor="ctr"/>
+          <a:lstStyle/>
+          <a:p>
+            <a:pPr algn="ctr"/>
+            <a:endParaRPr lang="en-US"/>
+          </a:p>
+        </p:txBody>
+      </p:sp>
+      <p:sp>
+        <p:nvSpPr>
+          <p:cNvPr id="48" name="Freeform: Shape 30">
+            <a:extLst>
+              <a:ext uri="{FF2B5EF4-FFF2-40B4-BE49-F238E27FC236}">
+                <a16:creationId xmlns:a16="http://schemas.microsoft.com/office/drawing/2014/main" id="{5C8F04BD-D093-45D0-B54C-50FDB308B4EE}"/>
+              </a:ext>
+              <a:ext uri="{C183D7F6-B498-43B3-948B-1728B52AA6E4}">
+                <adec:decorative xmlns:adec="http://schemas.microsoft.com/office/drawing/2017/decorative" val="1"/>
+              </a:ext>
+            </a:extLst>
+          </p:cNvPr>
+          <p:cNvSpPr>
+            <a:spLocks noGrp="1" noRot="1" noChangeAspect="1" noMove="1" noResize="1" noEditPoints="1" noAdjustHandles="1" noChangeArrowheads="1" noChangeShapeType="1" noTextEdit="1"/>
+          </p:cNvSpPr>
+          <p:nvPr>
+            <p:extLst>
+              <p:ext uri="{386F3935-93C4-4BCD-93E2-E3B085C9AB24}">
+                <p16:designElem xmlns:p16="http://schemas.microsoft.com/office/powerpoint/2015/main" val="1"/>
+              </p:ext>
+            </p:extLst>
+          </p:nvPr>
+        </p:nvSpPr>
+        <p:spPr>
+          <a:xfrm>
+            <a:off x="1134942" y="0"/>
+            <a:ext cx="9922116" cy="6858000"/>
+          </a:xfrm>
+          <a:custGeom>
+            <a:avLst/>
+            <a:gdLst>
+              <a:gd name="connsiteX0" fmla="*/ 1378575 w 9922116"/>
+              <a:gd name="connsiteY0" fmla="*/ 0 h 6858000"/>
+              <a:gd name="connsiteX1" fmla="*/ 8543542 w 9922116"/>
+              <a:gd name="connsiteY1" fmla="*/ 0 h 6858000"/>
+              <a:gd name="connsiteX2" fmla="*/ 8633323 w 9922116"/>
+              <a:gd name="connsiteY2" fmla="*/ 94145 h 6858000"/>
+              <a:gd name="connsiteX3" fmla="*/ 9922116 w 9922116"/>
+              <a:gd name="connsiteY3" fmla="*/ 3429001 h 6858000"/>
+              <a:gd name="connsiteX4" fmla="*/ 8633323 w 9922116"/>
+              <a:gd name="connsiteY4" fmla="*/ 6763858 h 6858000"/>
+              <a:gd name="connsiteX5" fmla="*/ 8543544 w 9922116"/>
+              <a:gd name="connsiteY5" fmla="*/ 6858000 h 6858000"/>
+              <a:gd name="connsiteX6" fmla="*/ 1378573 w 9922116"/>
+              <a:gd name="connsiteY6" fmla="*/ 6858000 h 6858000"/>
+              <a:gd name="connsiteX7" fmla="*/ 1288793 w 9922116"/>
+              <a:gd name="connsiteY7" fmla="*/ 6763858 h 6858000"/>
+              <a:gd name="connsiteX8" fmla="*/ 0 w 9922116"/>
+              <a:gd name="connsiteY8" fmla="*/ 3429001 h 6858000"/>
+              <a:gd name="connsiteX9" fmla="*/ 1288793 w 9922116"/>
+              <a:gd name="connsiteY9" fmla="*/ 94145 h 6858000"/>
+            </a:gdLst>
+            <a:ahLst/>
+            <a:cxnLst>
+              <a:cxn ang="0">
+                <a:pos x="connsiteX0" y="connsiteY0"/>
+              </a:cxn>
+              <a:cxn ang="0">
+                <a:pos x="connsiteX1" y="connsiteY1"/>
+              </a:cxn>
+              <a:cxn ang="0">
+                <a:pos x="connsiteX2" y="connsiteY2"/>
+              </a:cxn>
+              <a:cxn ang="0">
+                <a:pos x="connsiteX3" y="connsiteY3"/>
+              </a:cxn>
+              <a:cxn ang="0">
+                <a:pos x="connsiteX4" y="connsiteY4"/>
+              </a:cxn>
+              <a:cxn ang="0">
+                <a:pos x="connsiteX5" y="connsiteY5"/>
+              </a:cxn>
+              <a:cxn ang="0">
+                <a:pos x="connsiteX6" y="connsiteY6"/>
+              </a:cxn>
+              <a:cxn ang="0">
+                <a:pos x="connsiteX7" y="connsiteY7"/>
+              </a:cxn>
+              <a:cxn ang="0">
+                <a:pos x="connsiteX8" y="connsiteY8"/>
+              </a:cxn>
+              <a:cxn ang="0">
+                <a:pos x="connsiteX9" y="connsiteY9"/>
+              </a:cxn>
+            </a:cxnLst>
+            <a:rect l="l" t="t" r="r" b="b"/>
+            <a:pathLst>
+              <a:path w="9922116" h="6858000">
+                <a:moveTo>
+                  <a:pt x="1378575" y="0"/>
+                </a:moveTo>
+                <a:lnTo>
+                  <a:pt x="8543542" y="0"/>
+                </a:lnTo>
+                <a:lnTo>
+                  <a:pt x="8633323" y="94145"/>
+                </a:lnTo>
+                <a:cubicBezTo>
+                  <a:pt x="9434072" y="974941"/>
+                  <a:pt x="9922116" y="2144991"/>
+                  <a:pt x="9922116" y="3429001"/>
+                </a:cubicBezTo>
+                <a:cubicBezTo>
+                  <a:pt x="9922116" y="4713011"/>
+                  <a:pt x="9434072" y="5883061"/>
+                  <a:pt x="8633323" y="6763858"/>
+                </a:cubicBezTo>
+                <a:lnTo>
+                  <a:pt x="8543544" y="6858000"/>
+                </a:lnTo>
+                <a:lnTo>
+                  <a:pt x="1378573" y="6858000"/>
+                </a:lnTo>
+                <a:lnTo>
+                  <a:pt x="1288793" y="6763858"/>
+                </a:lnTo>
+                <a:cubicBezTo>
+                  <a:pt x="488044" y="5883061"/>
+                  <a:pt x="0" y="4713011"/>
+                  <a:pt x="0" y="3429001"/>
+                </a:cubicBezTo>
+                <a:cubicBezTo>
+                  <a:pt x="0" y="2144991"/>
+                  <a:pt x="488044" y="974941"/>
+                  <a:pt x="1288793" y="94145"/>
+                </a:cubicBezTo>
+                <a:close/>
+              </a:path>
+            </a:pathLst>
+          </a:custGeom>
+          <a:solidFill>
+            <a:schemeClr val="bg1">
+              <a:lumMod val="65000"/>
+              <a:lumOff val="35000"/>
+            </a:schemeClr>
+          </a:solidFill>
+          <a:ln>
+            <a:noFill/>
+          </a:ln>
+        </p:spPr>
+        <p:style>
+          <a:lnRef idx="2">
+            <a:schemeClr val="accent1">
+              <a:shade val="50000"/>
+            </a:schemeClr>
+          </a:lnRef>
+          <a:fillRef idx="1">
+            <a:schemeClr val="accent1"/>
+          </a:fillRef>
+          <a:effectRef idx="0">
+            <a:schemeClr val="accent1"/>
+          </a:effectRef>
+          <a:fontRef idx="minor">
+            <a:schemeClr val="lt1"/>
+          </a:fontRef>
+        </p:style>
+        <p:txBody>
+          <a:bodyPr rtlCol="0" anchor="ctr"/>
+          <a:lstStyle/>
+          <a:p>
+            <a:pPr algn="ctr"/>
+            <a:endParaRPr lang="en-US" dirty="0"/>
+          </a:p>
+        </p:txBody>
+      </p:sp>
+      <p:sp>
+        <p:nvSpPr>
+          <p:cNvPr id="3" name="Espace réservé du contenu 2">
+            <a:extLst>
+              <a:ext uri="{FF2B5EF4-FFF2-40B4-BE49-F238E27FC236}">
+                <a16:creationId xmlns:a16="http://schemas.microsoft.com/office/drawing/2014/main" id="{C46DB99F-6DC4-8749-B7B4-C443F4C1CBA3}"/>
+              </a:ext>
+            </a:extLst>
+          </p:cNvPr>
+          <p:cNvSpPr>
+            <a:spLocks noGrp="1"/>
+          </p:cNvSpPr>
+          <p:nvPr>
+            <p:ph idx="1"/>
+          </p:nvPr>
+        </p:nvSpPr>
+        <p:spPr>
+          <a:xfrm>
+            <a:off x="2165567" y="2383461"/>
+            <a:ext cx="7860863" cy="2091077"/>
+          </a:xfrm>
+        </p:spPr>
+        <p:txBody>
+          <a:bodyPr anchor="t">
+            <a:normAutofit fontScale="92500"/>
+          </a:bodyPr>
+          <a:lstStyle/>
+          <a:p>
+            <a:pPr marL="0" indent="0">
+              <a:buNone/>
+            </a:pPr>
+            <a:r>
+              <a:rPr lang="fr-FR" sz="2400" dirty="0"/>
+              <a:t>Si il y aurait un model dans l’application, elle consisterait a avoir la charge du redimensionnement des vues du conteneur de photo ainsi que de la position.</a:t>
+            </a:r>
+          </a:p>
+          <a:p>
+            <a:pPr marL="0" indent="0">
+              <a:buNone/>
+            </a:pPr>
+            <a:r>
+              <a:rPr lang="fr-FR" sz="2400" dirty="0"/>
+              <a:t>Ici le model n’est pas utilisé car la vue est organisé par des </a:t>
+            </a:r>
+            <a:r>
+              <a:rPr lang="fr-FR" sz="2400" dirty="0" err="1"/>
+              <a:t>stack-views</a:t>
+            </a:r>
+            <a:r>
+              <a:rPr lang="fr-FR" sz="2400" dirty="0"/>
+              <a:t> qui se chargent du redimensionnement automatique des vues qu’elles contiennent ainsi que de leur position.</a:t>
+            </a:r>
+          </a:p>
+        </p:txBody>
+      </p:sp>
+      <p:sp>
+        <p:nvSpPr>
+          <p:cNvPr id="4" name="ZoneTexte 3">
+            <a:extLst>
+              <a:ext uri="{FF2B5EF4-FFF2-40B4-BE49-F238E27FC236}">
+                <a16:creationId xmlns:a16="http://schemas.microsoft.com/office/drawing/2014/main" id="{B88425AE-ED07-864B-A825-835D13161939}"/>
+              </a:ext>
+            </a:extLst>
+          </p:cNvPr>
+          <p:cNvSpPr txBox="1"/>
+          <p:nvPr/>
+        </p:nvSpPr>
+        <p:spPr>
+          <a:xfrm>
+            <a:off x="3351589" y="421286"/>
+            <a:ext cx="5488817" cy="584775"/>
+          </a:xfrm>
+          <a:prstGeom prst="rect">
+            <a:avLst/>
+          </a:prstGeom>
+          <a:noFill/>
+        </p:spPr>
+        <p:txBody>
+          <a:bodyPr wrap="square" rtlCol="0">
+            <a:spAutoFit/>
+          </a:bodyPr>
+          <a:lstStyle/>
+          <a:p>
+            <a:r>
+              <a:rPr lang="fr-FR" sz="3200" dirty="0"/>
+              <a:t>Pas de model dans l’application!</a:t>
+            </a:r>
+          </a:p>
+        </p:txBody>
+      </p:sp>
+    </p:spTree>
+    <p:extLst>
+      <p:ext uri="{BB962C8B-B14F-4D97-AF65-F5344CB8AC3E}">
+        <p14:creationId xmlns:p14="http://schemas.microsoft.com/office/powerpoint/2010/main" val="3169621709"/>
+      </p:ext>
+    </p:extLst>
+  </p:cSld>
+  <p:clrMapOvr>
+    <a:overrideClrMapping bg1="dk1" tx1="lt1" bg2="dk2" tx2="lt2" accent1="accent1" accent2="accent2" accent3="accent3" accent4="accent4" accent5="accent5" accent6="accent6" hlink="hlink" folHlink="folHlink"/>
+  </p:clrMapOvr>
+  <p:timing>
+    <p:tnLst>
+      <p:par>
+        <p:cTn id="1" dur="indefinite" restart="never" nodeType="tmRoot">
+          <p:childTnLst>
+            <p:seq concurrent="1" nextAc="seek">
+              <p:cTn id="2" dur="indefinite" nodeType="mainSeq">
+                <p:childTnLst>
+                  <p:par>
+                    <p:cTn id="3" fill="hold">
+                      <p:stCondLst>
+                        <p:cond delay="indefinite"/>
+                        <p:cond evt="onBegin" delay="0">
+                          <p:tn val="2"/>
+                        </p:cond>
+                      </p:stCondLst>
+                      <p:childTnLst>
+                        <p:par>
+                          <p:cTn id="4" fill="hold">
+                            <p:stCondLst>
+                              <p:cond delay="0"/>
+                            </p:stCondLst>
+                            <p:childTnLst>
+                              <p:par>
+                                <p:cTn id="5" presetID="9" presetClass="entr" presetSubtype="0" fill="hold" grpId="0" nodeType="afterEffect">
+                                  <p:stCondLst>
+                                    <p:cond delay="0"/>
+                                  </p:stCondLst>
+                                  <p:childTnLst>
+                                    <p:set>
+                                      <p:cBhvr>
+                                        <p:cTn id="6" dur="1" fill="hold">
+                                          <p:stCondLst>
+                                            <p:cond delay="0"/>
+                                          </p:stCondLst>
+                                        </p:cTn>
+                                        <p:tgtEl>
+                                          <p:spTgt spid="3"/>
+                                        </p:tgtEl>
+                                        <p:attrNameLst>
+                                          <p:attrName>style.visibility</p:attrName>
+                                        </p:attrNameLst>
+                                      </p:cBhvr>
+                                      <p:to>
+                                        <p:strVal val="visible"/>
+                                      </p:to>
+                                    </p:set>
+                                    <p:animEffect transition="in" filter="dissolve">
+                                      <p:cBhvr>
+                                        <p:cTn id="7" dur="500"/>
+                                        <p:tgtEl>
+                                          <p:spTgt spid="3"/>
+                                        </p:tgtEl>
+                                      </p:cBhvr>
+                                    </p:animEffect>
+                                  </p:childTnLst>
+                                </p:cTn>
+                              </p:par>
+                            </p:childTnLst>
+                          </p:cTn>
+                        </p:par>
+                      </p:childTnLst>
+                    </p:cTn>
+                  </p:par>
+                </p:childTnLst>
+              </p:cTn>
+              <p:prevCondLst>
+                <p:cond evt="onPrev" delay="0">
+                  <p:tgtEl>
+                    <p:sldTgt/>
+                  </p:tgtEl>
+                </p:cond>
+              </p:prevCondLst>
+              <p:nextCondLst>
+                <p:cond evt="onNext" delay="0">
+                  <p:tgtEl>
+                    <p:sldTgt/>
+                  </p:tgtEl>
+                </p:cond>
+              </p:nextCondLst>
+            </p:seq>
+          </p:childTnLst>
+        </p:cTn>
+      </p:par>
+    </p:tnLst>
+    <p:bldLst>
+      <p:bldP spid="3" grpId="0" uiExpand="1"/>
+    </p:bldLst>
+  </p:timing>
+</p:sld>
+</file>
+
+<file path=ppt/slides/slide6.xml><?xml version="1.0" encoding="utf-8"?>
 <p:sld xmlns:a="http://schemas.openxmlformats.org/drawingml/2006/main" xmlns:r="http://schemas.openxmlformats.org/officeDocument/2006/relationships" xmlns:p="http://schemas.openxmlformats.org/presentationml/2006/main">
   <p:cSld>
     <p:bg>
@@ -13268,7 +14369,7 @@
           </a:bodyPr>
           <a:lstStyle/>
           <a:p>
-            <a:pPr marL="0" lvl="0" indent="0" algn="ctr" defTabSz="914400">
+            <a:pPr marL="1028700" lvl="0" indent="-1028700" algn="ctr" defTabSz="914400">
               <a:lnSpc>
                 <a:spcPct val="90000"/>
               </a:lnSpc>
@@ -13278,9 +14379,11 @@
               <a:spcAft>
                 <a:spcPct val="35000"/>
               </a:spcAft>
+              <a:buFont typeface="+mj-lt"/>
+              <a:buAutoNum type="romanUcPeriod" startAt="3"/>
             </a:pPr>
             <a:r>
-              <a:rPr lang="en-US" sz="5400">
+              <a:rPr lang="en-US" sz="5400" dirty="0" err="1">
                 <a:solidFill>
                   <a:schemeClr val="bg1">
                     <a:lumMod val="95000"/>
@@ -13291,8 +14394,131 @@
                 <a:ea typeface="+mj-ea"/>
                 <a:cs typeface="+mj-cs"/>
               </a:rPr>
-              <a:t>Présentation détaillée du code et de celui-ci en fonctionnement</a:t>
+              <a:t>Présentation</a:t>
             </a:r>
+            <a:r>
+              <a:rPr lang="en-US" sz="5400" dirty="0">
+                <a:solidFill>
+                  <a:schemeClr val="bg1">
+                    <a:lumMod val="95000"/>
+                    <a:lumOff val="5000"/>
+                  </a:schemeClr>
+                </a:solidFill>
+                <a:latin typeface="+mj-lt"/>
+                <a:ea typeface="+mj-ea"/>
+                <a:cs typeface="+mj-cs"/>
+              </a:rPr>
+              <a:t> </a:t>
+            </a:r>
+            <a:r>
+              <a:rPr lang="en-US" sz="5400" dirty="0" err="1">
+                <a:solidFill>
+                  <a:schemeClr val="bg1">
+                    <a:lumMod val="95000"/>
+                    <a:lumOff val="5000"/>
+                  </a:schemeClr>
+                </a:solidFill>
+                <a:latin typeface="+mj-lt"/>
+                <a:ea typeface="+mj-ea"/>
+                <a:cs typeface="+mj-cs"/>
+              </a:rPr>
+              <a:t>détaillée</a:t>
+            </a:r>
+            <a:r>
+              <a:rPr lang="en-US" sz="5400" dirty="0">
+                <a:solidFill>
+                  <a:schemeClr val="bg1">
+                    <a:lumMod val="95000"/>
+                    <a:lumOff val="5000"/>
+                  </a:schemeClr>
+                </a:solidFill>
+                <a:latin typeface="+mj-lt"/>
+                <a:ea typeface="+mj-ea"/>
+                <a:cs typeface="+mj-cs"/>
+              </a:rPr>
+              <a:t> du code et de </a:t>
+            </a:r>
+            <a:r>
+              <a:rPr lang="en-US" sz="5400" dirty="0" err="1">
+                <a:solidFill>
+                  <a:schemeClr val="bg1">
+                    <a:lumMod val="95000"/>
+                    <a:lumOff val="5000"/>
+                  </a:schemeClr>
+                </a:solidFill>
+                <a:latin typeface="+mj-lt"/>
+                <a:ea typeface="+mj-ea"/>
+                <a:cs typeface="+mj-cs"/>
+              </a:rPr>
+              <a:t>celui</a:t>
+            </a:r>
+            <a:r>
+              <a:rPr lang="en-US" sz="5400" dirty="0">
+                <a:solidFill>
+                  <a:schemeClr val="bg1">
+                    <a:lumMod val="95000"/>
+                    <a:lumOff val="5000"/>
+                  </a:schemeClr>
+                </a:solidFill>
+                <a:latin typeface="+mj-lt"/>
+                <a:ea typeface="+mj-ea"/>
+                <a:cs typeface="+mj-cs"/>
+              </a:rPr>
+              <a:t>-ci </a:t>
+            </a:r>
+            <a:r>
+              <a:rPr lang="en-US" sz="5400" dirty="0" err="1">
+                <a:solidFill>
+                  <a:schemeClr val="bg1">
+                    <a:lumMod val="95000"/>
+                    <a:lumOff val="5000"/>
+                  </a:schemeClr>
+                </a:solidFill>
+                <a:latin typeface="+mj-lt"/>
+                <a:ea typeface="+mj-ea"/>
+                <a:cs typeface="+mj-cs"/>
+              </a:rPr>
+              <a:t>en</a:t>
+            </a:r>
+            <a:r>
+              <a:rPr lang="en-US" sz="5400" dirty="0">
+                <a:solidFill>
+                  <a:schemeClr val="bg1">
+                    <a:lumMod val="95000"/>
+                    <a:lumOff val="5000"/>
+                  </a:schemeClr>
+                </a:solidFill>
+                <a:latin typeface="+mj-lt"/>
+                <a:ea typeface="+mj-ea"/>
+                <a:cs typeface="+mj-cs"/>
+              </a:rPr>
+              <a:t> </a:t>
+            </a:r>
+            <a:r>
+              <a:rPr lang="en-US" sz="5400" dirty="0" err="1">
+                <a:solidFill>
+                  <a:schemeClr val="bg1">
+                    <a:lumMod val="95000"/>
+                    <a:lumOff val="5000"/>
+                  </a:schemeClr>
+                </a:solidFill>
+                <a:latin typeface="+mj-lt"/>
+                <a:ea typeface="+mj-ea"/>
+                <a:cs typeface="+mj-cs"/>
+              </a:rPr>
+              <a:t>fonctionnement</a:t>
+            </a:r>
+            <a:endParaRPr lang="en-US" sz="5400" dirty="0">
+              <a:solidFill>
+                <a:schemeClr val="bg1">
+                  <a:lumMod val="95000"/>
+                  <a:lumOff val="5000"/>
+                </a:schemeClr>
+              </a:solidFill>
+              <a:latin typeface="+mj-lt"/>
+              <a:ea typeface="+mj-ea"/>
+              <a:cs typeface="+mj-cs"/>
+            </a:endParaRPr>
           </a:p>
         </p:txBody>
       </p:sp>
